--- a/ds.pptx
+++ b/ds.pptx
@@ -19,9 +19,10 @@
     <p:sldId id="285" r:id="rId13"/>
     <p:sldId id="286" r:id="rId14"/>
     <p:sldId id="282" r:id="rId15"/>
-    <p:sldId id="284" r:id="rId16"/>
-    <p:sldId id="270" r:id="rId17"/>
-    <p:sldId id="269" r:id="rId18"/>
+    <p:sldId id="288" r:id="rId16"/>
+    <p:sldId id="284" r:id="rId17"/>
+    <p:sldId id="270" r:id="rId18"/>
+    <p:sldId id="269" r:id="rId19"/>
   </p:sldIdLst>
   <p:sldSz cx="12192000" cy="6858000"/>
   <p:notesSz cx="6858000" cy="9144000"/>
@@ -139,6 +140,7 @@
             <p14:sldId id="285"/>
             <p14:sldId id="286"/>
             <p14:sldId id="282"/>
+            <p14:sldId id="288"/>
             <p14:sldId id="284"/>
             <p14:sldId id="270"/>
             <p14:sldId id="269"/>
@@ -6293,7 +6295,7 @@
         </p:nvSpPr>
         <p:spPr>
           <a:xfrm>
-            <a:off x="2784079" y="4996934"/>
+            <a:off x="2784079" y="5417379"/>
             <a:ext cx="1165704" cy="369332"/>
           </a:xfrm>
           <a:prstGeom prst="rect">
@@ -6322,7 +6324,7 @@
         </p:nvSpPr>
         <p:spPr>
           <a:xfrm>
-            <a:off x="7810595" y="4996934"/>
+            <a:off x="7797558" y="5417379"/>
             <a:ext cx="646331" cy="369332"/>
           </a:xfrm>
           <a:prstGeom prst="rect">
@@ -6463,7 +6465,7 @@
             </a:r>
             <a:r>
               <a:rPr lang="ko-KR" altLang="en-US" dirty="0"/>
-              <a:t>판정 체계</a:t>
+              <a:t>노트</a:t>
             </a:r>
           </a:p>
         </p:txBody>
@@ -6476,8 +6478,8 @@
         </p:nvSpPr>
         <p:spPr>
           <a:xfrm>
-            <a:off x="1316748" y="4631266"/>
-            <a:ext cx="914033" cy="369332"/>
+            <a:off x="2472448" y="3323166"/>
+            <a:ext cx="1165704" cy="369332"/>
           </a:xfrm>
           <a:prstGeom prst="rect">
             <a:avLst/>
@@ -6491,23 +6493,22 @@
           <a:lstStyle/>
           <a:p>
             <a:r>
-              <a:rPr lang="en-US" altLang="ko-KR" dirty="0"/>
-              <a:t>±0.025</a:t>
-            </a:r>
-            <a:endParaRPr lang="ko-KR" altLang="en-US" dirty="0"/>
-          </a:p>
-        </p:txBody>
-      </p:sp>
-      <p:sp>
-        <p:nvSpPr>
-          <p:cNvPr id="16" name="TextBox 15"/>
+              <a:rPr lang="ko-KR" altLang="en-US" dirty="0"/>
+              <a:t>일반 노트</a:t>
+            </a:r>
+          </a:p>
+        </p:txBody>
+      </p:sp>
+      <p:sp>
+        <p:nvSpPr>
+          <p:cNvPr id="17" name="TextBox 16"/>
           <p:cNvSpPr txBox="1"/>
           <p:nvPr/>
         </p:nvSpPr>
         <p:spPr>
           <a:xfrm>
-            <a:off x="4338057" y="4631266"/>
-            <a:ext cx="663964" cy="369332"/>
+            <a:off x="8213501" y="3323166"/>
+            <a:ext cx="1454244" cy="369332"/>
           </a:xfrm>
           <a:prstGeom prst="rect">
             <a:avLst/>
@@ -6520,77 +6521,21 @@
           </a:bodyPr>
           <a:lstStyle/>
           <a:p>
-            <a:r>
-              <a:rPr lang="en-US" altLang="ko-KR" dirty="0"/>
-              <a:t>±0.1</a:t>
-            </a:r>
-            <a:endParaRPr lang="ko-KR" altLang="en-US" dirty="0"/>
-          </a:p>
-        </p:txBody>
-      </p:sp>
-      <p:sp>
-        <p:nvSpPr>
-          <p:cNvPr id="17" name="TextBox 16"/>
-          <p:cNvSpPr txBox="1"/>
-          <p:nvPr/>
-        </p:nvSpPr>
-        <p:spPr>
-          <a:xfrm>
-            <a:off x="7153533" y="4631265"/>
-            <a:ext cx="788999" cy="369332"/>
-          </a:xfrm>
-          <a:prstGeom prst="rect">
-            <a:avLst/>
-          </a:prstGeom>
-          <a:noFill/>
-        </p:spPr>
-        <p:txBody>
-          <a:bodyPr wrap="none" rtlCol="0">
-            <a:spAutoFit/>
-          </a:bodyPr>
-          <a:lstStyle/>
-          <a:p>
-            <a:r>
-              <a:rPr lang="en-US" altLang="ko-KR" dirty="0"/>
-              <a:t>±0.25</a:t>
-            </a:r>
-            <a:endParaRPr lang="ko-KR" altLang="en-US" dirty="0"/>
-          </a:p>
-        </p:txBody>
-      </p:sp>
-      <p:sp>
-        <p:nvSpPr>
-          <p:cNvPr id="18" name="TextBox 17"/>
-          <p:cNvSpPr txBox="1"/>
-          <p:nvPr/>
-        </p:nvSpPr>
-        <p:spPr>
-          <a:xfrm>
-            <a:off x="10117351" y="4631265"/>
-            <a:ext cx="415498" cy="369332"/>
-          </a:xfrm>
-          <a:prstGeom prst="rect">
-            <a:avLst/>
-          </a:prstGeom>
-          <a:noFill/>
-        </p:spPr>
-        <p:txBody>
-          <a:bodyPr wrap="none" rtlCol="0">
-            <a:spAutoFit/>
-          </a:bodyPr>
-          <a:lstStyle/>
-          <a:p>
-            <a:r>
-              <a:rPr lang="en-US" altLang="ko-KR" dirty="0"/>
-              <a:t>…</a:t>
-            </a:r>
-            <a:endParaRPr lang="ko-KR" altLang="en-US" dirty="0"/>
+            <a:pPr algn="ctr"/>
+            <a:r>
+              <a:rPr lang="ko-KR" altLang="en-US" dirty="0" err="1"/>
+              <a:t>윗</a:t>
+            </a:r>
+            <a:r>
+              <a:rPr lang="ko-KR" altLang="en-US" dirty="0"/>
+              <a:t> 방향 노트</a:t>
+            </a:r>
           </a:p>
         </p:txBody>
       </p:sp>
       <p:pic>
         <p:nvPicPr>
-          <p:cNvPr id="3" name="그림 2"/>
+          <p:cNvPr id="7" name="그림 6"/>
           <p:cNvPicPr>
             <a:picLocks noChangeAspect="1"/>
           </p:cNvPicPr>
@@ -6610,8 +6555,8 @@
         </p:blipFill>
         <p:spPr>
           <a:xfrm>
-            <a:off x="208587" y="2082799"/>
-            <a:ext cx="3291189" cy="3291189"/>
+            <a:off x="2172650" y="2266747"/>
+            <a:ext cx="1765300" cy="353060"/>
           </a:xfrm>
           <a:prstGeom prst="rect">
             <a:avLst/>
@@ -6620,7 +6565,7 @@
       </p:pic>
       <p:pic>
         <p:nvPicPr>
-          <p:cNvPr id="4" name="그림 3"/>
+          <p:cNvPr id="8" name="그림 7"/>
           <p:cNvPicPr>
             <a:picLocks noChangeAspect="1"/>
           </p:cNvPicPr>
@@ -6640,8 +6585,8 @@
         </p:blipFill>
         <p:spPr>
           <a:xfrm>
-            <a:off x="2960108" y="2018462"/>
-            <a:ext cx="3419861" cy="3419861"/>
+            <a:off x="8019873" y="2266747"/>
+            <a:ext cx="1841500" cy="368300"/>
           </a:xfrm>
           <a:prstGeom prst="rect">
             <a:avLst/>
@@ -6650,7 +6595,7 @@
       </p:pic>
       <p:pic>
         <p:nvPicPr>
-          <p:cNvPr id="5" name="그림 4"/>
+          <p:cNvPr id="9" name="그림 8"/>
           <p:cNvPicPr>
             <a:picLocks noChangeAspect="1"/>
           </p:cNvPicPr>
@@ -6670,17 +6615,47 @@
         </p:blipFill>
         <p:spPr>
           <a:xfrm>
-            <a:off x="5427132" y="1649085"/>
-            <a:ext cx="4241800" cy="4241800"/>
+            <a:off x="2172650" y="4395857"/>
+            <a:ext cx="1765300" cy="353060"/>
           </a:xfrm>
           <a:prstGeom prst="rect">
             <a:avLst/>
           </a:prstGeom>
         </p:spPr>
       </p:pic>
+      <p:sp>
+        <p:nvSpPr>
+          <p:cNvPr id="14" name="TextBox 13"/>
+          <p:cNvSpPr txBox="1"/>
+          <p:nvPr/>
+        </p:nvSpPr>
+        <p:spPr>
+          <a:xfrm>
+            <a:off x="2212763" y="5736166"/>
+            <a:ext cx="1685078" cy="369332"/>
+          </a:xfrm>
+          <a:prstGeom prst="rect">
+            <a:avLst/>
+          </a:prstGeom>
+          <a:noFill/>
+        </p:spPr>
+        <p:txBody>
+          <a:bodyPr wrap="none" rtlCol="0">
+            <a:spAutoFit/>
+          </a:bodyPr>
+          <a:lstStyle/>
+          <a:p>
+            <a:pPr algn="ctr"/>
+            <a:r>
+              <a:rPr lang="ko-KR" altLang="en-US" dirty="0"/>
+              <a:t>왼쪽 방향 노트</a:t>
+            </a:r>
+          </a:p>
+        </p:txBody>
+      </p:sp>
       <p:pic>
         <p:nvPicPr>
-          <p:cNvPr id="6" name="그림 5"/>
+          <p:cNvPr id="10" name="그림 9"/>
           <p:cNvPicPr>
             <a:picLocks noChangeAspect="1"/>
           </p:cNvPicPr>
@@ -6700,18 +6675,48 @@
         </p:blipFill>
         <p:spPr>
           <a:xfrm>
-            <a:off x="8680450" y="2082799"/>
-            <a:ext cx="3289300" cy="3289300"/>
+            <a:off x="8019873" y="4380617"/>
+            <a:ext cx="1841500" cy="368300"/>
           </a:xfrm>
           <a:prstGeom prst="rect">
             <a:avLst/>
           </a:prstGeom>
         </p:spPr>
       </p:pic>
+      <p:sp>
+        <p:nvSpPr>
+          <p:cNvPr id="19" name="TextBox 18"/>
+          <p:cNvSpPr txBox="1"/>
+          <p:nvPr/>
+        </p:nvSpPr>
+        <p:spPr>
+          <a:xfrm>
+            <a:off x="7982669" y="5736166"/>
+            <a:ext cx="1915909" cy="369332"/>
+          </a:xfrm>
+          <a:prstGeom prst="rect">
+            <a:avLst/>
+          </a:prstGeom>
+          <a:noFill/>
+        </p:spPr>
+        <p:txBody>
+          <a:bodyPr wrap="none" rtlCol="0">
+            <a:spAutoFit/>
+          </a:bodyPr>
+          <a:lstStyle/>
+          <a:p>
+            <a:pPr algn="ctr"/>
+            <a:r>
+              <a:rPr lang="ko-KR" altLang="en-US" dirty="0"/>
+              <a:t>오른쪽 방향 노트</a:t>
+            </a:r>
+          </a:p>
+        </p:txBody>
+      </p:sp>
     </p:spTree>
     <p:extLst>
       <p:ext uri="{BB962C8B-B14F-4D97-AF65-F5344CB8AC3E}">
-        <p14:creationId xmlns:p14="http://schemas.microsoft.com/office/powerpoint/2010/main" val="2855303334"/>
+        <p14:creationId xmlns:p14="http://schemas.microsoft.com/office/powerpoint/2010/main" val="1788128138"/>
       </p:ext>
     </p:extLst>
   </p:cSld>
@@ -6745,6 +6750,311 @@
             <a:spLocks noGrp="1"/>
           </p:cNvSpPr>
           <p:nvPr>
+            <p:ph type="title"/>
+          </p:nvPr>
+        </p:nvSpPr>
+        <p:spPr>
+          <a:xfrm>
+            <a:off x="860962" y="237067"/>
+            <a:ext cx="10353761" cy="1326321"/>
+          </a:xfrm>
+        </p:spPr>
+        <p:txBody>
+          <a:bodyPr/>
+          <a:lstStyle/>
+          <a:p>
+            <a:r>
+              <a:rPr lang="ko-KR" altLang="en-US" dirty="0"/>
+              <a:t>게임 시스템 </a:t>
+            </a:r>
+            <a:r>
+              <a:rPr lang="en-US" altLang="ko-KR" dirty="0"/>
+              <a:t>– </a:t>
+            </a:r>
+            <a:r>
+              <a:rPr lang="ko-KR" altLang="en-US" dirty="0"/>
+              <a:t>판정 체계</a:t>
+            </a:r>
+          </a:p>
+        </p:txBody>
+      </p:sp>
+      <p:sp>
+        <p:nvSpPr>
+          <p:cNvPr id="15" name="TextBox 14"/>
+          <p:cNvSpPr txBox="1"/>
+          <p:nvPr/>
+        </p:nvSpPr>
+        <p:spPr>
+          <a:xfrm>
+            <a:off x="1316748" y="4631266"/>
+            <a:ext cx="914033" cy="369332"/>
+          </a:xfrm>
+          <a:prstGeom prst="rect">
+            <a:avLst/>
+          </a:prstGeom>
+          <a:noFill/>
+        </p:spPr>
+        <p:txBody>
+          <a:bodyPr wrap="none" rtlCol="0">
+            <a:spAutoFit/>
+          </a:bodyPr>
+          <a:lstStyle/>
+          <a:p>
+            <a:r>
+              <a:rPr lang="en-US" altLang="ko-KR" dirty="0"/>
+              <a:t>±0.025</a:t>
+            </a:r>
+            <a:endParaRPr lang="ko-KR" altLang="en-US" dirty="0"/>
+          </a:p>
+        </p:txBody>
+      </p:sp>
+      <p:sp>
+        <p:nvSpPr>
+          <p:cNvPr id="16" name="TextBox 15"/>
+          <p:cNvSpPr txBox="1"/>
+          <p:nvPr/>
+        </p:nvSpPr>
+        <p:spPr>
+          <a:xfrm>
+            <a:off x="4338057" y="4631266"/>
+            <a:ext cx="663964" cy="369332"/>
+          </a:xfrm>
+          <a:prstGeom prst="rect">
+            <a:avLst/>
+          </a:prstGeom>
+          <a:noFill/>
+        </p:spPr>
+        <p:txBody>
+          <a:bodyPr wrap="none" rtlCol="0">
+            <a:spAutoFit/>
+          </a:bodyPr>
+          <a:lstStyle/>
+          <a:p>
+            <a:r>
+              <a:rPr lang="en-US" altLang="ko-KR" dirty="0"/>
+              <a:t>±0.1</a:t>
+            </a:r>
+            <a:endParaRPr lang="ko-KR" altLang="en-US" dirty="0"/>
+          </a:p>
+        </p:txBody>
+      </p:sp>
+      <p:sp>
+        <p:nvSpPr>
+          <p:cNvPr id="17" name="TextBox 16"/>
+          <p:cNvSpPr txBox="1"/>
+          <p:nvPr/>
+        </p:nvSpPr>
+        <p:spPr>
+          <a:xfrm>
+            <a:off x="7153533" y="4631265"/>
+            <a:ext cx="788999" cy="369332"/>
+          </a:xfrm>
+          <a:prstGeom prst="rect">
+            <a:avLst/>
+          </a:prstGeom>
+          <a:noFill/>
+        </p:spPr>
+        <p:txBody>
+          <a:bodyPr wrap="none" rtlCol="0">
+            <a:spAutoFit/>
+          </a:bodyPr>
+          <a:lstStyle/>
+          <a:p>
+            <a:r>
+              <a:rPr lang="en-US" altLang="ko-KR" dirty="0"/>
+              <a:t>±0.25</a:t>
+            </a:r>
+            <a:endParaRPr lang="ko-KR" altLang="en-US" dirty="0"/>
+          </a:p>
+        </p:txBody>
+      </p:sp>
+      <p:sp>
+        <p:nvSpPr>
+          <p:cNvPr id="18" name="TextBox 17"/>
+          <p:cNvSpPr txBox="1"/>
+          <p:nvPr/>
+        </p:nvSpPr>
+        <p:spPr>
+          <a:xfrm>
+            <a:off x="10117351" y="4631265"/>
+            <a:ext cx="415498" cy="369332"/>
+          </a:xfrm>
+          <a:prstGeom prst="rect">
+            <a:avLst/>
+          </a:prstGeom>
+          <a:noFill/>
+        </p:spPr>
+        <p:txBody>
+          <a:bodyPr wrap="none" rtlCol="0">
+            <a:spAutoFit/>
+          </a:bodyPr>
+          <a:lstStyle/>
+          <a:p>
+            <a:r>
+              <a:rPr lang="en-US" altLang="ko-KR" dirty="0"/>
+              <a:t>…</a:t>
+            </a:r>
+            <a:endParaRPr lang="ko-KR" altLang="en-US" dirty="0"/>
+          </a:p>
+        </p:txBody>
+      </p:sp>
+      <p:pic>
+        <p:nvPicPr>
+          <p:cNvPr id="3" name="그림 2"/>
+          <p:cNvPicPr>
+            <a:picLocks noChangeAspect="1"/>
+          </p:cNvPicPr>
+          <p:nvPr/>
+        </p:nvPicPr>
+        <p:blipFill>
+          <a:blip r:embed="rId2">
+            <a:extLst>
+              <a:ext uri="{28A0092B-C50C-407E-A947-70E740481C1C}">
+                <a14:useLocalDpi xmlns:a14="http://schemas.microsoft.com/office/drawing/2010/main" val="0"/>
+              </a:ext>
+            </a:extLst>
+          </a:blip>
+          <a:stretch>
+            <a:fillRect/>
+          </a:stretch>
+        </p:blipFill>
+        <p:spPr>
+          <a:xfrm>
+            <a:off x="208587" y="2082799"/>
+            <a:ext cx="3291189" cy="3291189"/>
+          </a:xfrm>
+          <a:prstGeom prst="rect">
+            <a:avLst/>
+          </a:prstGeom>
+        </p:spPr>
+      </p:pic>
+      <p:pic>
+        <p:nvPicPr>
+          <p:cNvPr id="4" name="그림 3"/>
+          <p:cNvPicPr>
+            <a:picLocks noChangeAspect="1"/>
+          </p:cNvPicPr>
+          <p:nvPr/>
+        </p:nvPicPr>
+        <p:blipFill>
+          <a:blip r:embed="rId3">
+            <a:extLst>
+              <a:ext uri="{28A0092B-C50C-407E-A947-70E740481C1C}">
+                <a14:useLocalDpi xmlns:a14="http://schemas.microsoft.com/office/drawing/2010/main" val="0"/>
+              </a:ext>
+            </a:extLst>
+          </a:blip>
+          <a:stretch>
+            <a:fillRect/>
+          </a:stretch>
+        </p:blipFill>
+        <p:spPr>
+          <a:xfrm>
+            <a:off x="2960108" y="2018462"/>
+            <a:ext cx="3419861" cy="3419861"/>
+          </a:xfrm>
+          <a:prstGeom prst="rect">
+            <a:avLst/>
+          </a:prstGeom>
+        </p:spPr>
+      </p:pic>
+      <p:pic>
+        <p:nvPicPr>
+          <p:cNvPr id="5" name="그림 4"/>
+          <p:cNvPicPr>
+            <a:picLocks noChangeAspect="1"/>
+          </p:cNvPicPr>
+          <p:nvPr/>
+        </p:nvPicPr>
+        <p:blipFill>
+          <a:blip r:embed="rId4">
+            <a:extLst>
+              <a:ext uri="{28A0092B-C50C-407E-A947-70E740481C1C}">
+                <a14:useLocalDpi xmlns:a14="http://schemas.microsoft.com/office/drawing/2010/main" val="0"/>
+              </a:ext>
+            </a:extLst>
+          </a:blip>
+          <a:stretch>
+            <a:fillRect/>
+          </a:stretch>
+        </p:blipFill>
+        <p:spPr>
+          <a:xfrm>
+            <a:off x="5427132" y="1649085"/>
+            <a:ext cx="4241800" cy="4241800"/>
+          </a:xfrm>
+          <a:prstGeom prst="rect">
+            <a:avLst/>
+          </a:prstGeom>
+        </p:spPr>
+      </p:pic>
+      <p:pic>
+        <p:nvPicPr>
+          <p:cNvPr id="6" name="그림 5"/>
+          <p:cNvPicPr>
+            <a:picLocks noChangeAspect="1"/>
+          </p:cNvPicPr>
+          <p:nvPr/>
+        </p:nvPicPr>
+        <p:blipFill>
+          <a:blip r:embed="rId5">
+            <a:extLst>
+              <a:ext uri="{28A0092B-C50C-407E-A947-70E740481C1C}">
+                <a14:useLocalDpi xmlns:a14="http://schemas.microsoft.com/office/drawing/2010/main" val="0"/>
+              </a:ext>
+            </a:extLst>
+          </a:blip>
+          <a:stretch>
+            <a:fillRect/>
+          </a:stretch>
+        </p:blipFill>
+        <p:spPr>
+          <a:xfrm>
+            <a:off x="8680450" y="2082799"/>
+            <a:ext cx="3289300" cy="3289300"/>
+          </a:xfrm>
+          <a:prstGeom prst="rect">
+            <a:avLst/>
+          </a:prstGeom>
+        </p:spPr>
+      </p:pic>
+    </p:spTree>
+    <p:extLst>
+      <p:ext uri="{BB962C8B-B14F-4D97-AF65-F5344CB8AC3E}">
+        <p14:creationId xmlns:p14="http://schemas.microsoft.com/office/powerpoint/2010/main" val="2855303334"/>
+      </p:ext>
+    </p:extLst>
+  </p:cSld>
+  <p:clrMapOvr>
+    <a:masterClrMapping/>
+  </p:clrMapOvr>
+</p:sld>
+</file>
+
+<file path=ppt/slides/slide17.xml><?xml version="1.0" encoding="utf-8"?>
+<p:sld xmlns:a="http://schemas.openxmlformats.org/drawingml/2006/main" xmlns:r="http://schemas.openxmlformats.org/officeDocument/2006/relationships" xmlns:p="http://schemas.openxmlformats.org/presentationml/2006/main">
+  <p:cSld>
+    <p:spTree>
+      <p:nvGrpSpPr>
+        <p:cNvPr id="1" name=""/>
+        <p:cNvGrpSpPr/>
+        <p:nvPr/>
+      </p:nvGrpSpPr>
+      <p:grpSpPr>
+        <a:xfrm>
+          <a:off x="0" y="0"/>
+          <a:ext cx="0" cy="0"/>
+          <a:chOff x="0" y="0"/>
+          <a:chExt cx="0" cy="0"/>
+        </a:xfrm>
+      </p:grpSpPr>
+      <p:sp>
+        <p:nvSpPr>
+          <p:cNvPr id="2" name="제목 1"/>
+          <p:cNvSpPr>
+            <a:spLocks noGrp="1"/>
+          </p:cNvSpPr>
+          <p:nvPr>
             <p:ph type="ctrTitle"/>
           </p:nvPr>
         </p:nvSpPr>
@@ -6773,7 +7083,7 @@
 </p:sld>
 </file>
 
-<file path=ppt/slides/slide17.xml><?xml version="1.0" encoding="utf-8"?>
+<file path=ppt/slides/slide18.xml><?xml version="1.0" encoding="utf-8"?>
 <p:sld xmlns:a="http://schemas.openxmlformats.org/drawingml/2006/main" xmlns:r="http://schemas.openxmlformats.org/officeDocument/2006/relationships" xmlns:p="http://schemas.openxmlformats.org/presentationml/2006/main">
   <p:cSld>
     <p:spTree>

--- a/ds.pptx
+++ b/ds.pptx
@@ -8,21 +8,22 @@
     <p:sldId id="287" r:id="rId2"/>
     <p:sldId id="257" r:id="rId3"/>
     <p:sldId id="268" r:id="rId4"/>
-    <p:sldId id="264" r:id="rId5"/>
-    <p:sldId id="258" r:id="rId6"/>
-    <p:sldId id="265" r:id="rId7"/>
-    <p:sldId id="267" r:id="rId8"/>
-    <p:sldId id="280" r:id="rId9"/>
-    <p:sldId id="277" r:id="rId10"/>
-    <p:sldId id="260" r:id="rId11"/>
-    <p:sldId id="281" r:id="rId12"/>
-    <p:sldId id="285" r:id="rId13"/>
-    <p:sldId id="286" r:id="rId14"/>
-    <p:sldId id="282" r:id="rId15"/>
-    <p:sldId id="288" r:id="rId16"/>
-    <p:sldId id="284" r:id="rId17"/>
-    <p:sldId id="270" r:id="rId18"/>
-    <p:sldId id="269" r:id="rId19"/>
+    <p:sldId id="289" r:id="rId5"/>
+    <p:sldId id="264" r:id="rId6"/>
+    <p:sldId id="258" r:id="rId7"/>
+    <p:sldId id="265" r:id="rId8"/>
+    <p:sldId id="267" r:id="rId9"/>
+    <p:sldId id="280" r:id="rId10"/>
+    <p:sldId id="277" r:id="rId11"/>
+    <p:sldId id="260" r:id="rId12"/>
+    <p:sldId id="281" r:id="rId13"/>
+    <p:sldId id="285" r:id="rId14"/>
+    <p:sldId id="286" r:id="rId15"/>
+    <p:sldId id="282" r:id="rId16"/>
+    <p:sldId id="288" r:id="rId17"/>
+    <p:sldId id="284" r:id="rId18"/>
+    <p:sldId id="270" r:id="rId19"/>
+    <p:sldId id="269" r:id="rId20"/>
   </p:sldIdLst>
   <p:sldSz cx="12192000" cy="6858000"/>
   <p:notesSz cx="6858000" cy="9144000"/>
@@ -129,6 +130,7 @@
             <p14:sldId id="287"/>
             <p14:sldId id="257"/>
             <p14:sldId id="268"/>
+            <p14:sldId id="289"/>
             <p14:sldId id="264"/>
             <p14:sldId id="258"/>
             <p14:sldId id="265"/>
@@ -5788,7 +5790,7 @@
             <a:spLocks noGrp="1"/>
           </p:cNvSpPr>
           <p:nvPr>
-            <p:ph type="title"/>
+            <p:ph type="ctrTitle"/>
           </p:nvPr>
         </p:nvSpPr>
         <p:spPr/>
@@ -5798,140 +5800,15 @@
           <a:p>
             <a:r>
               <a:rPr lang="ko-KR" altLang="en-US" dirty="0"/>
-              <a:t>플랫폼</a:t>
-            </a:r>
-          </a:p>
-        </p:txBody>
-      </p:sp>
-      <p:sp>
-        <p:nvSpPr>
-          <p:cNvPr id="3" name="내용 개체 틀 2"/>
-          <p:cNvSpPr>
-            <a:spLocks noGrp="1"/>
-          </p:cNvSpPr>
-          <p:nvPr>
-            <p:ph idx="1"/>
-          </p:nvPr>
-        </p:nvSpPr>
-        <p:spPr>
-          <a:xfrm>
-            <a:off x="4097864" y="2453898"/>
-            <a:ext cx="7389824" cy="3695136"/>
-          </a:xfrm>
-        </p:spPr>
-        <p:txBody>
-          <a:bodyPr/>
-          <a:lstStyle/>
-          <a:p>
-            <a:pPr algn="ctr"/>
-            <a:r>
-              <a:rPr lang="ko-KR" altLang="en-US" dirty="0" err="1"/>
-              <a:t>안드로이드</a:t>
-            </a:r>
-            <a:r>
-              <a:rPr lang="ko-KR" altLang="en-US" dirty="0"/>
-              <a:t> </a:t>
-            </a:r>
-            <a:r>
-              <a:rPr lang="ko-KR" altLang="en-US" dirty="0" err="1"/>
-              <a:t>스마트폰</a:t>
-            </a:r>
-            <a:r>
-              <a:rPr lang="ko-KR" altLang="en-US" dirty="0"/>
-              <a:t> </a:t>
-            </a:r>
-            <a:r>
-              <a:rPr lang="en-US" altLang="ko-KR" dirty="0"/>
-              <a:t>(Galaxy</a:t>
-            </a:r>
-            <a:r>
-              <a:rPr lang="ko-KR" altLang="en-US" dirty="0"/>
-              <a:t> </a:t>
-            </a:r>
-            <a:r>
-              <a:rPr lang="en-US" altLang="ko-KR" dirty="0"/>
-              <a:t>S3)</a:t>
-            </a:r>
-          </a:p>
-          <a:p>
-            <a:pPr algn="ctr"/>
-            <a:endParaRPr lang="en-US" altLang="ko-KR" dirty="0"/>
-          </a:p>
-          <a:p>
-            <a:pPr algn="ctr"/>
-            <a:r>
-              <a:rPr lang="ko-KR" altLang="en-US" dirty="0"/>
-              <a:t>해상도 </a:t>
-            </a:r>
-            <a:r>
-              <a:rPr lang="en-US" altLang="ko-KR" dirty="0"/>
-              <a:t>:  1280 * 720</a:t>
-            </a:r>
-          </a:p>
-          <a:p>
-            <a:pPr algn="ctr"/>
-            <a:endParaRPr lang="en-US" altLang="ko-KR" dirty="0"/>
-          </a:p>
-          <a:p>
-            <a:pPr algn="ctr"/>
-            <a:r>
-              <a:rPr lang="ko-KR" altLang="en-US" dirty="0" err="1"/>
-              <a:t>접근성</a:t>
-            </a:r>
-            <a:r>
-              <a:rPr lang="ko-KR" altLang="en-US" dirty="0"/>
-              <a:t> </a:t>
-            </a:r>
-            <a:r>
-              <a:rPr lang="en-US" altLang="ko-KR" dirty="0"/>
-              <a:t>&amp; </a:t>
-            </a:r>
-            <a:r>
-              <a:rPr lang="ko-KR" altLang="en-US" dirty="0" err="1"/>
-              <a:t>안드로이드</a:t>
-            </a:r>
-            <a:r>
-              <a:rPr lang="ko-KR" altLang="en-US" dirty="0"/>
-              <a:t> 개발 호기심</a:t>
-            </a:r>
-            <a:endParaRPr lang="en-US" altLang="ko-KR" dirty="0"/>
-          </a:p>
-        </p:txBody>
-      </p:sp>
-      <p:pic>
-        <p:nvPicPr>
-          <p:cNvPr id="4" name="그림 3"/>
-          <p:cNvPicPr>
-            <a:picLocks noChangeAspect="1"/>
-          </p:cNvPicPr>
-          <p:nvPr/>
-        </p:nvPicPr>
-        <p:blipFill>
-          <a:blip r:embed="rId2">
-            <a:extLst>
-              <a:ext uri="{28A0092B-C50C-407E-A947-70E740481C1C}">
-                <a14:useLocalDpi xmlns:a14="http://schemas.microsoft.com/office/drawing/2010/main" val="0"/>
-              </a:ext>
-            </a:extLst>
-          </a:blip>
-          <a:stretch>
-            <a:fillRect/>
-          </a:stretch>
-        </p:blipFill>
-        <p:spPr>
-          <a:xfrm rot="5400000">
-            <a:off x="1267542" y="1490931"/>
-            <a:ext cx="2517230" cy="4757467"/>
-          </a:xfrm>
-          <a:prstGeom prst="rect">
-            <a:avLst/>
-          </a:prstGeom>
-        </p:spPr>
-      </p:pic>
+              <a:t>게임 세부 소개</a:t>
+            </a:r>
+          </a:p>
+        </p:txBody>
+      </p:sp>
     </p:spTree>
     <p:extLst>
       <p:ext uri="{BB962C8B-B14F-4D97-AF65-F5344CB8AC3E}">
-        <p14:creationId xmlns:p14="http://schemas.microsoft.com/office/powerpoint/2010/main" val="962954387"/>
+        <p14:creationId xmlns:p14="http://schemas.microsoft.com/office/powerpoint/2010/main" val="2537192405"/>
       </p:ext>
     </p:extLst>
   </p:cSld>
@@ -5975,6 +5852,183 @@
           <a:p>
             <a:r>
               <a:rPr lang="ko-KR" altLang="en-US" dirty="0"/>
+              <a:t>플랫폼</a:t>
+            </a:r>
+          </a:p>
+        </p:txBody>
+      </p:sp>
+      <p:sp>
+        <p:nvSpPr>
+          <p:cNvPr id="3" name="내용 개체 틀 2"/>
+          <p:cNvSpPr>
+            <a:spLocks noGrp="1"/>
+          </p:cNvSpPr>
+          <p:nvPr>
+            <p:ph idx="1"/>
+          </p:nvPr>
+        </p:nvSpPr>
+        <p:spPr>
+          <a:xfrm>
+            <a:off x="4097864" y="2453898"/>
+            <a:ext cx="7389824" cy="3695136"/>
+          </a:xfrm>
+        </p:spPr>
+        <p:txBody>
+          <a:bodyPr/>
+          <a:lstStyle/>
+          <a:p>
+            <a:pPr algn="ctr"/>
+            <a:r>
+              <a:rPr lang="ko-KR" altLang="en-US" dirty="0" err="1"/>
+              <a:t>안드로이드</a:t>
+            </a:r>
+            <a:r>
+              <a:rPr lang="ko-KR" altLang="en-US" dirty="0"/>
+              <a:t> </a:t>
+            </a:r>
+            <a:r>
+              <a:rPr lang="ko-KR" altLang="en-US" dirty="0" err="1"/>
+              <a:t>스마트폰</a:t>
+            </a:r>
+            <a:r>
+              <a:rPr lang="ko-KR" altLang="en-US" dirty="0"/>
+              <a:t> </a:t>
+            </a:r>
+            <a:r>
+              <a:rPr lang="en-US" altLang="ko-KR" dirty="0"/>
+              <a:t>(Galaxy</a:t>
+            </a:r>
+            <a:r>
+              <a:rPr lang="ko-KR" altLang="en-US" dirty="0"/>
+              <a:t> </a:t>
+            </a:r>
+            <a:r>
+              <a:rPr lang="en-US" altLang="ko-KR" dirty="0"/>
+              <a:t>S3)</a:t>
+            </a:r>
+          </a:p>
+          <a:p>
+            <a:pPr algn="ctr"/>
+            <a:endParaRPr lang="en-US" altLang="ko-KR" dirty="0"/>
+          </a:p>
+          <a:p>
+            <a:pPr algn="ctr"/>
+            <a:r>
+              <a:rPr lang="ko-KR" altLang="en-US" dirty="0"/>
+              <a:t>해상도 </a:t>
+            </a:r>
+            <a:r>
+              <a:rPr lang="en-US" altLang="ko-KR" dirty="0"/>
+              <a:t>:  1280 * 720</a:t>
+            </a:r>
+          </a:p>
+          <a:p>
+            <a:pPr algn="ctr"/>
+            <a:endParaRPr lang="en-US" altLang="ko-KR" dirty="0"/>
+          </a:p>
+          <a:p>
+            <a:pPr algn="ctr"/>
+            <a:r>
+              <a:rPr lang="ko-KR" altLang="en-US" dirty="0" err="1"/>
+              <a:t>접근성</a:t>
+            </a:r>
+            <a:r>
+              <a:rPr lang="ko-KR" altLang="en-US" dirty="0"/>
+              <a:t> </a:t>
+            </a:r>
+            <a:r>
+              <a:rPr lang="en-US" altLang="ko-KR" dirty="0"/>
+              <a:t>&amp; </a:t>
+            </a:r>
+            <a:r>
+              <a:rPr lang="ko-KR" altLang="en-US" dirty="0" err="1"/>
+              <a:t>안드로이드</a:t>
+            </a:r>
+            <a:r>
+              <a:rPr lang="ko-KR" altLang="en-US" dirty="0"/>
+              <a:t> 개발 호기심</a:t>
+            </a:r>
+            <a:endParaRPr lang="en-US" altLang="ko-KR" dirty="0"/>
+          </a:p>
+        </p:txBody>
+      </p:sp>
+      <p:pic>
+        <p:nvPicPr>
+          <p:cNvPr id="4" name="그림 3"/>
+          <p:cNvPicPr>
+            <a:picLocks noChangeAspect="1"/>
+          </p:cNvPicPr>
+          <p:nvPr/>
+        </p:nvPicPr>
+        <p:blipFill>
+          <a:blip r:embed="rId2">
+            <a:extLst>
+              <a:ext uri="{28A0092B-C50C-407E-A947-70E740481C1C}">
+                <a14:useLocalDpi xmlns:a14="http://schemas.microsoft.com/office/drawing/2010/main" val="0"/>
+              </a:ext>
+            </a:extLst>
+          </a:blip>
+          <a:stretch>
+            <a:fillRect/>
+          </a:stretch>
+        </p:blipFill>
+        <p:spPr>
+          <a:xfrm rot="5400000">
+            <a:off x="1267542" y="1490931"/>
+            <a:ext cx="2517230" cy="4757467"/>
+          </a:xfrm>
+          <a:prstGeom prst="rect">
+            <a:avLst/>
+          </a:prstGeom>
+        </p:spPr>
+      </p:pic>
+    </p:spTree>
+    <p:extLst>
+      <p:ext uri="{BB962C8B-B14F-4D97-AF65-F5344CB8AC3E}">
+        <p14:creationId xmlns:p14="http://schemas.microsoft.com/office/powerpoint/2010/main" val="962954387"/>
+      </p:ext>
+    </p:extLst>
+  </p:cSld>
+  <p:clrMapOvr>
+    <a:masterClrMapping/>
+  </p:clrMapOvr>
+</p:sld>
+</file>
+
+<file path=ppt/slides/slide12.xml><?xml version="1.0" encoding="utf-8"?>
+<p:sld xmlns:a="http://schemas.openxmlformats.org/drawingml/2006/main" xmlns:r="http://schemas.openxmlformats.org/officeDocument/2006/relationships" xmlns:p="http://schemas.openxmlformats.org/presentationml/2006/main">
+  <p:cSld>
+    <p:spTree>
+      <p:nvGrpSpPr>
+        <p:cNvPr id="1" name=""/>
+        <p:cNvGrpSpPr/>
+        <p:nvPr/>
+      </p:nvGrpSpPr>
+      <p:grpSpPr>
+        <a:xfrm>
+          <a:off x="0" y="0"/>
+          <a:ext cx="0" cy="0"/>
+          <a:chOff x="0" y="0"/>
+          <a:chExt cx="0" cy="0"/>
+        </a:xfrm>
+      </p:grpSpPr>
+      <p:sp>
+        <p:nvSpPr>
+          <p:cNvPr id="2" name="제목 1"/>
+          <p:cNvSpPr>
+            <a:spLocks noGrp="1"/>
+          </p:cNvSpPr>
+          <p:nvPr>
+            <p:ph type="title"/>
+          </p:nvPr>
+        </p:nvSpPr>
+        <p:spPr/>
+        <p:txBody>
+          <a:bodyPr/>
+          <a:lstStyle/>
+          <a:p>
+            <a:r>
+              <a:rPr lang="ko-KR" altLang="en-US" dirty="0"/>
               <a:t>게임 시스템 </a:t>
             </a:r>
             <a:r>
@@ -6047,7 +6101,7 @@
 </p:sld>
 </file>
 
-<file path=ppt/slides/slide12.xml><?xml version="1.0" encoding="utf-8"?>
+<file path=ppt/slides/slide13.xml><?xml version="1.0" encoding="utf-8"?>
 <p:sld xmlns:a="http://schemas.openxmlformats.org/drawingml/2006/main" xmlns:r="http://schemas.openxmlformats.org/officeDocument/2006/relationships" xmlns:p="http://schemas.openxmlformats.org/presentationml/2006/main">
   <p:cSld>
     <p:spTree>
@@ -6137,109 +6191,6 @@
 </p:sld>
 </file>
 
-<file path=ppt/slides/slide13.xml><?xml version="1.0" encoding="utf-8"?>
-<p:sld xmlns:a="http://schemas.openxmlformats.org/drawingml/2006/main" xmlns:r="http://schemas.openxmlformats.org/officeDocument/2006/relationships" xmlns:p="http://schemas.openxmlformats.org/presentationml/2006/main">
-  <p:cSld>
-    <p:spTree>
-      <p:nvGrpSpPr>
-        <p:cNvPr id="1" name=""/>
-        <p:cNvGrpSpPr/>
-        <p:nvPr/>
-      </p:nvGrpSpPr>
-      <p:grpSpPr>
-        <a:xfrm>
-          <a:off x="0" y="0"/>
-          <a:ext cx="0" cy="0"/>
-          <a:chOff x="0" y="0"/>
-          <a:chExt cx="0" cy="0"/>
-        </a:xfrm>
-      </p:grpSpPr>
-      <p:sp>
-        <p:nvSpPr>
-          <p:cNvPr id="2" name="제목 1"/>
-          <p:cNvSpPr>
-            <a:spLocks noGrp="1"/>
-          </p:cNvSpPr>
-          <p:nvPr>
-            <p:ph type="title"/>
-          </p:nvPr>
-        </p:nvSpPr>
-        <p:spPr/>
-        <p:txBody>
-          <a:bodyPr/>
-          <a:lstStyle/>
-          <a:p>
-            <a:r>
-              <a:rPr lang="ko-KR" altLang="en-US" dirty="0"/>
-              <a:t>타 리듬게임과의 차이점</a:t>
-            </a:r>
-          </a:p>
-        </p:txBody>
-      </p:sp>
-      <p:sp>
-        <p:nvSpPr>
-          <p:cNvPr id="3" name="내용 개체 틀 2"/>
-          <p:cNvSpPr>
-            <a:spLocks noGrp="1"/>
-          </p:cNvSpPr>
-          <p:nvPr>
-            <p:ph idx="1"/>
-          </p:nvPr>
-        </p:nvSpPr>
-        <p:spPr>
-          <a:xfrm>
-            <a:off x="1667934" y="2671798"/>
-            <a:ext cx="8729133" cy="2560602"/>
-          </a:xfrm>
-        </p:spPr>
-        <p:txBody>
-          <a:bodyPr/>
-          <a:lstStyle/>
-          <a:p>
-            <a:pPr marL="0" indent="0" algn="ctr">
-              <a:buNone/>
-            </a:pPr>
-            <a:endParaRPr lang="en-US" altLang="ko-KR" dirty="0"/>
-          </a:p>
-          <a:p>
-            <a:pPr algn="ctr"/>
-            <a:r>
-              <a:rPr lang="ko-KR" altLang="en-US" dirty="0"/>
-              <a:t>레인 구분이 명확하지 않음</a:t>
-            </a:r>
-            <a:endParaRPr lang="en-US" altLang="ko-KR" dirty="0"/>
-          </a:p>
-          <a:p>
-            <a:pPr algn="ctr"/>
-            <a:r>
-              <a:rPr lang="ko-KR" altLang="en-US" dirty="0"/>
-              <a:t>단순히 눌러서 처리하는 것이 아닌</a:t>
-            </a:r>
-            <a:r>
-              <a:rPr lang="en-US" altLang="ko-KR" dirty="0"/>
-              <a:t>, </a:t>
-            </a:r>
-            <a:r>
-              <a:rPr lang="ko-KR" altLang="en-US" dirty="0"/>
-              <a:t>방향에 맞추어서 튕겨내는 형태의 노트도 존재</a:t>
-            </a:r>
-            <a:endParaRPr lang="en-US" altLang="ko-KR" dirty="0"/>
-          </a:p>
-        </p:txBody>
-      </p:sp>
-    </p:spTree>
-    <p:extLst>
-      <p:ext uri="{BB962C8B-B14F-4D97-AF65-F5344CB8AC3E}">
-        <p14:creationId xmlns:p14="http://schemas.microsoft.com/office/powerpoint/2010/main" val="817915452"/>
-      </p:ext>
-    </p:extLst>
-  </p:cSld>
-  <p:clrMapOvr>
-    <a:masterClrMapping/>
-  </p:clrMapOvr>
-</p:sld>
-</file>
-
 <file path=ppt/slides/slide14.xml><?xml version="1.0" encoding="utf-8"?>
 <p:sld xmlns:a="http://schemas.openxmlformats.org/drawingml/2006/main" xmlns:r="http://schemas.openxmlformats.org/officeDocument/2006/relationships" xmlns:p="http://schemas.openxmlformats.org/presentationml/2006/main">
   <p:cSld>
@@ -6274,141 +6225,66 @@
           <a:p>
             <a:r>
               <a:rPr lang="ko-KR" altLang="en-US" dirty="0"/>
-              <a:t>게임 시스템 </a:t>
+              <a:t>타 리듬게임과의 차이점</a:t>
+            </a:r>
+          </a:p>
+        </p:txBody>
+      </p:sp>
+      <p:sp>
+        <p:nvSpPr>
+          <p:cNvPr id="3" name="내용 개체 틀 2"/>
+          <p:cNvSpPr>
+            <a:spLocks noGrp="1"/>
+          </p:cNvSpPr>
+          <p:nvPr>
+            <p:ph idx="1"/>
+          </p:nvPr>
+        </p:nvSpPr>
+        <p:spPr>
+          <a:xfrm>
+            <a:off x="1667934" y="2671798"/>
+            <a:ext cx="8729133" cy="2560602"/>
+          </a:xfrm>
+        </p:spPr>
+        <p:txBody>
+          <a:bodyPr/>
+          <a:lstStyle/>
+          <a:p>
+            <a:pPr marL="0" indent="0" algn="ctr">
+              <a:buNone/>
+            </a:pPr>
+            <a:endParaRPr lang="en-US" altLang="ko-KR" dirty="0"/>
+          </a:p>
+          <a:p>
+            <a:pPr algn="ctr"/>
+            <a:r>
+              <a:rPr lang="ko-KR" altLang="en-US" dirty="0"/>
+              <a:t>레인 구분이 명확하지 않음</a:t>
+            </a:r>
+            <a:endParaRPr lang="en-US" altLang="ko-KR" dirty="0"/>
+          </a:p>
+          <a:p>
+            <a:pPr algn="ctr"/>
+            <a:r>
+              <a:rPr lang="ko-KR" altLang="en-US" dirty="0"/>
+              <a:t>단순히 눌러서 처리하는 것이 아닌</a:t>
             </a:r>
             <a:r>
               <a:rPr lang="en-US" altLang="ko-KR" dirty="0"/>
-              <a:t>- </a:t>
+              <a:t>, </a:t>
             </a:r>
             <a:r>
               <a:rPr lang="ko-KR" altLang="en-US" dirty="0"/>
-              <a:t>모드</a:t>
-            </a:r>
-          </a:p>
-        </p:txBody>
-      </p:sp>
-      <p:sp>
-        <p:nvSpPr>
-          <p:cNvPr id="7" name="TextBox 6"/>
-          <p:cNvSpPr txBox="1"/>
-          <p:nvPr/>
-        </p:nvSpPr>
-        <p:spPr>
-          <a:xfrm>
-            <a:off x="2784079" y="5417379"/>
-            <a:ext cx="1165704" cy="369332"/>
-          </a:xfrm>
-          <a:prstGeom prst="rect">
-            <a:avLst/>
-          </a:prstGeom>
-          <a:noFill/>
-        </p:spPr>
-        <p:txBody>
-          <a:bodyPr wrap="none" rtlCol="0">
-            <a:spAutoFit/>
-          </a:bodyPr>
-          <a:lstStyle/>
-          <a:p>
-            <a:r>
-              <a:rPr lang="ko-KR" altLang="en-US" dirty="0"/>
-              <a:t>모의 전투</a:t>
-            </a:r>
-          </a:p>
-        </p:txBody>
-      </p:sp>
-      <p:sp>
-        <p:nvSpPr>
-          <p:cNvPr id="8" name="TextBox 7"/>
-          <p:cNvSpPr txBox="1"/>
-          <p:nvPr/>
-        </p:nvSpPr>
-        <p:spPr>
-          <a:xfrm>
-            <a:off x="7797558" y="5417379"/>
-            <a:ext cx="646331" cy="369332"/>
-          </a:xfrm>
-          <a:prstGeom prst="rect">
-            <a:avLst/>
-          </a:prstGeom>
-          <a:noFill/>
-        </p:spPr>
-        <p:txBody>
-          <a:bodyPr wrap="none" rtlCol="0">
-            <a:spAutoFit/>
-          </a:bodyPr>
-          <a:lstStyle/>
-          <a:p>
-            <a:r>
-              <a:rPr lang="ko-KR" altLang="en-US" dirty="0"/>
-              <a:t>실전</a:t>
-            </a:r>
-          </a:p>
-        </p:txBody>
-      </p:sp>
-      <p:pic>
-        <p:nvPicPr>
-          <p:cNvPr id="3" name="그림 2"/>
-          <p:cNvPicPr>
-            <a:picLocks noChangeAspect="1"/>
-          </p:cNvPicPr>
-          <p:nvPr/>
-        </p:nvPicPr>
-        <p:blipFill>
-          <a:blip r:embed="rId2">
-            <a:extLst>
-              <a:ext uri="{28A0092B-C50C-407E-A947-70E740481C1C}">
-                <a14:useLocalDpi xmlns:a14="http://schemas.microsoft.com/office/drawing/2010/main" val="0"/>
-              </a:ext>
-            </a:extLst>
-          </a:blip>
-          <a:stretch>
-            <a:fillRect/>
-          </a:stretch>
-        </p:blipFill>
-        <p:spPr>
-          <a:xfrm>
-            <a:off x="6685960" y="2171700"/>
-            <a:ext cx="2869528" cy="2869528"/>
-          </a:xfrm>
-          <a:prstGeom prst="rect">
-            <a:avLst/>
-          </a:prstGeom>
-        </p:spPr>
-      </p:pic>
-      <p:pic>
-        <p:nvPicPr>
-          <p:cNvPr id="4" name="그림 3"/>
-          <p:cNvPicPr>
-            <a:picLocks noChangeAspect="1"/>
-          </p:cNvPicPr>
-          <p:nvPr/>
-        </p:nvPicPr>
-        <p:blipFill>
-          <a:blip r:embed="rId3">
-            <a:extLst>
-              <a:ext uri="{28A0092B-C50C-407E-A947-70E740481C1C}">
-                <a14:useLocalDpi xmlns:a14="http://schemas.microsoft.com/office/drawing/2010/main" val="0"/>
-              </a:ext>
-            </a:extLst>
-          </a:blip>
-          <a:stretch>
-            <a:fillRect/>
-          </a:stretch>
-        </p:blipFill>
-        <p:spPr>
-          <a:xfrm>
-            <a:off x="1861981" y="2171700"/>
-            <a:ext cx="3009900" cy="3009900"/>
-          </a:xfrm>
-          <a:prstGeom prst="rect">
-            <a:avLst/>
-          </a:prstGeom>
-        </p:spPr>
-      </p:pic>
+              <a:t>방향에 맞추어서 튕겨내는 형태의 노트도 존재</a:t>
+            </a:r>
+            <a:endParaRPr lang="en-US" altLang="ko-KR" dirty="0"/>
+          </a:p>
+        </p:txBody>
+      </p:sp>
     </p:spTree>
     <p:extLst>
       <p:ext uri="{BB962C8B-B14F-4D97-AF65-F5344CB8AC3E}">
-        <p14:creationId xmlns:p14="http://schemas.microsoft.com/office/powerpoint/2010/main" val="2855303334"/>
+        <p14:creationId xmlns:p14="http://schemas.microsoft.com/office/powerpoint/2010/main" val="817915452"/>
       </p:ext>
     </p:extLst>
   </p:cSld>
@@ -6445,12 +6321,7 @@
             <p:ph type="title"/>
           </p:nvPr>
         </p:nvSpPr>
-        <p:spPr>
-          <a:xfrm>
-            <a:off x="860962" y="237067"/>
-            <a:ext cx="10353761" cy="1326321"/>
-          </a:xfrm>
-        </p:spPr>
+        <p:spPr/>
         <p:txBody>
           <a:bodyPr/>
           <a:lstStyle/>
@@ -6461,24 +6332,24 @@
             </a:r>
             <a:r>
               <a:rPr lang="en-US" altLang="ko-KR" dirty="0"/>
-              <a:t>– </a:t>
+              <a:t>- </a:t>
             </a:r>
             <a:r>
               <a:rPr lang="ko-KR" altLang="en-US" dirty="0"/>
-              <a:t>노트</a:t>
-            </a:r>
-          </a:p>
-        </p:txBody>
-      </p:sp>
-      <p:sp>
-        <p:nvSpPr>
-          <p:cNvPr id="15" name="TextBox 14"/>
+              <a:t>모드</a:t>
+            </a:r>
+          </a:p>
+        </p:txBody>
+      </p:sp>
+      <p:sp>
+        <p:nvSpPr>
+          <p:cNvPr id="7" name="TextBox 6"/>
           <p:cNvSpPr txBox="1"/>
           <p:nvPr/>
         </p:nvSpPr>
         <p:spPr>
           <a:xfrm>
-            <a:off x="2472448" y="3323166"/>
+            <a:off x="2784079" y="5417379"/>
             <a:ext cx="1165704" cy="369332"/>
           </a:xfrm>
           <a:prstGeom prst="rect">
@@ -6494,21 +6365,21 @@
           <a:p>
             <a:r>
               <a:rPr lang="ko-KR" altLang="en-US" dirty="0"/>
-              <a:t>일반 노트</a:t>
-            </a:r>
-          </a:p>
-        </p:txBody>
-      </p:sp>
-      <p:sp>
-        <p:nvSpPr>
-          <p:cNvPr id="17" name="TextBox 16"/>
+              <a:t>모의 전투</a:t>
+            </a:r>
+          </a:p>
+        </p:txBody>
+      </p:sp>
+      <p:sp>
+        <p:nvSpPr>
+          <p:cNvPr id="8" name="TextBox 7"/>
           <p:cNvSpPr txBox="1"/>
           <p:nvPr/>
         </p:nvSpPr>
         <p:spPr>
           <a:xfrm>
-            <a:off x="8213501" y="3323166"/>
-            <a:ext cx="1454244" cy="369332"/>
+            <a:off x="7797558" y="5417379"/>
+            <a:ext cx="646331" cy="369332"/>
           </a:xfrm>
           <a:prstGeom prst="rect">
             <a:avLst/>
@@ -6521,21 +6392,16 @@
           </a:bodyPr>
           <a:lstStyle/>
           <a:p>
-            <a:pPr algn="ctr"/>
-            <a:r>
-              <a:rPr lang="ko-KR" altLang="en-US" dirty="0" err="1"/>
-              <a:t>윗</a:t>
-            </a:r>
             <a:r>
               <a:rPr lang="ko-KR" altLang="en-US" dirty="0"/>
-              <a:t> 방향 노트</a:t>
+              <a:t>실전</a:t>
             </a:r>
           </a:p>
         </p:txBody>
       </p:sp>
       <p:pic>
         <p:nvPicPr>
-          <p:cNvPr id="7" name="그림 6"/>
+          <p:cNvPr id="3" name="그림 2"/>
           <p:cNvPicPr>
             <a:picLocks noChangeAspect="1"/>
           </p:cNvPicPr>
@@ -6555,8 +6421,8 @@
         </p:blipFill>
         <p:spPr>
           <a:xfrm>
-            <a:off x="2172650" y="2266747"/>
-            <a:ext cx="1765300" cy="353060"/>
+            <a:off x="6685960" y="2171700"/>
+            <a:ext cx="2869528" cy="2869528"/>
           </a:xfrm>
           <a:prstGeom prst="rect">
             <a:avLst/>
@@ -6565,7 +6431,7 @@
       </p:pic>
       <p:pic>
         <p:nvPicPr>
-          <p:cNvPr id="8" name="그림 7"/>
+          <p:cNvPr id="4" name="그림 3"/>
           <p:cNvPicPr>
             <a:picLocks noChangeAspect="1"/>
           </p:cNvPicPr>
@@ -6585,138 +6451,18 @@
         </p:blipFill>
         <p:spPr>
           <a:xfrm>
-            <a:off x="8019873" y="2266747"/>
-            <a:ext cx="1841500" cy="368300"/>
+            <a:off x="1861981" y="2171700"/>
+            <a:ext cx="3009900" cy="3009900"/>
           </a:xfrm>
           <a:prstGeom prst="rect">
             <a:avLst/>
           </a:prstGeom>
         </p:spPr>
       </p:pic>
-      <p:pic>
-        <p:nvPicPr>
-          <p:cNvPr id="9" name="그림 8"/>
-          <p:cNvPicPr>
-            <a:picLocks noChangeAspect="1"/>
-          </p:cNvPicPr>
-          <p:nvPr/>
-        </p:nvPicPr>
-        <p:blipFill>
-          <a:blip r:embed="rId4">
-            <a:extLst>
-              <a:ext uri="{28A0092B-C50C-407E-A947-70E740481C1C}">
-                <a14:useLocalDpi xmlns:a14="http://schemas.microsoft.com/office/drawing/2010/main" val="0"/>
-              </a:ext>
-            </a:extLst>
-          </a:blip>
-          <a:stretch>
-            <a:fillRect/>
-          </a:stretch>
-        </p:blipFill>
-        <p:spPr>
-          <a:xfrm>
-            <a:off x="2172650" y="4395857"/>
-            <a:ext cx="1765300" cy="353060"/>
-          </a:xfrm>
-          <a:prstGeom prst="rect">
-            <a:avLst/>
-          </a:prstGeom>
-        </p:spPr>
-      </p:pic>
-      <p:sp>
-        <p:nvSpPr>
-          <p:cNvPr id="14" name="TextBox 13"/>
-          <p:cNvSpPr txBox="1"/>
-          <p:nvPr/>
-        </p:nvSpPr>
-        <p:spPr>
-          <a:xfrm>
-            <a:off x="2212763" y="5736166"/>
-            <a:ext cx="1685078" cy="369332"/>
-          </a:xfrm>
-          <a:prstGeom prst="rect">
-            <a:avLst/>
-          </a:prstGeom>
-          <a:noFill/>
-        </p:spPr>
-        <p:txBody>
-          <a:bodyPr wrap="none" rtlCol="0">
-            <a:spAutoFit/>
-          </a:bodyPr>
-          <a:lstStyle/>
-          <a:p>
-            <a:pPr algn="ctr"/>
-            <a:r>
-              <a:rPr lang="ko-KR" altLang="en-US" dirty="0"/>
-              <a:t>왼쪽 방향 노트</a:t>
-            </a:r>
-          </a:p>
-        </p:txBody>
-      </p:sp>
-      <p:pic>
-        <p:nvPicPr>
-          <p:cNvPr id="10" name="그림 9"/>
-          <p:cNvPicPr>
-            <a:picLocks noChangeAspect="1"/>
-          </p:cNvPicPr>
-          <p:nvPr/>
-        </p:nvPicPr>
-        <p:blipFill>
-          <a:blip r:embed="rId5">
-            <a:extLst>
-              <a:ext uri="{28A0092B-C50C-407E-A947-70E740481C1C}">
-                <a14:useLocalDpi xmlns:a14="http://schemas.microsoft.com/office/drawing/2010/main" val="0"/>
-              </a:ext>
-            </a:extLst>
-          </a:blip>
-          <a:stretch>
-            <a:fillRect/>
-          </a:stretch>
-        </p:blipFill>
-        <p:spPr>
-          <a:xfrm>
-            <a:off x="8019873" y="4380617"/>
-            <a:ext cx="1841500" cy="368300"/>
-          </a:xfrm>
-          <a:prstGeom prst="rect">
-            <a:avLst/>
-          </a:prstGeom>
-        </p:spPr>
-      </p:pic>
-      <p:sp>
-        <p:nvSpPr>
-          <p:cNvPr id="19" name="TextBox 18"/>
-          <p:cNvSpPr txBox="1"/>
-          <p:nvPr/>
-        </p:nvSpPr>
-        <p:spPr>
-          <a:xfrm>
-            <a:off x="7982669" y="5736166"/>
-            <a:ext cx="1915909" cy="369332"/>
-          </a:xfrm>
-          <a:prstGeom prst="rect">
-            <a:avLst/>
-          </a:prstGeom>
-          <a:noFill/>
-        </p:spPr>
-        <p:txBody>
-          <a:bodyPr wrap="none" rtlCol="0">
-            <a:spAutoFit/>
-          </a:bodyPr>
-          <a:lstStyle/>
-          <a:p>
-            <a:pPr algn="ctr"/>
-            <a:r>
-              <a:rPr lang="ko-KR" altLang="en-US" dirty="0"/>
-              <a:t>오른쪽 방향 노트</a:t>
-            </a:r>
-          </a:p>
-        </p:txBody>
-      </p:sp>
     </p:spTree>
     <p:extLst>
       <p:ext uri="{BB962C8B-B14F-4D97-AF65-F5344CB8AC3E}">
-        <p14:creationId xmlns:p14="http://schemas.microsoft.com/office/powerpoint/2010/main" val="1788128138"/>
+        <p14:creationId xmlns:p14="http://schemas.microsoft.com/office/powerpoint/2010/main" val="2855303334"/>
       </p:ext>
     </p:extLst>
   </p:cSld>
@@ -6773,7 +6519,7 @@
             </a:r>
             <a:r>
               <a:rPr lang="ko-KR" altLang="en-US" dirty="0"/>
-              <a:t>판정 체계</a:t>
+              <a:t>노트</a:t>
             </a:r>
           </a:p>
         </p:txBody>
@@ -6786,8 +6532,8 @@
         </p:nvSpPr>
         <p:spPr>
           <a:xfrm>
-            <a:off x="1316748" y="4631266"/>
-            <a:ext cx="914033" cy="369332"/>
+            <a:off x="2472448" y="3323166"/>
+            <a:ext cx="1165704" cy="369332"/>
           </a:xfrm>
           <a:prstGeom prst="rect">
             <a:avLst/>
@@ -6801,23 +6547,22 @@
           <a:lstStyle/>
           <a:p>
             <a:r>
-              <a:rPr lang="en-US" altLang="ko-KR" dirty="0"/>
-              <a:t>±0.025</a:t>
-            </a:r>
-            <a:endParaRPr lang="ko-KR" altLang="en-US" dirty="0"/>
-          </a:p>
-        </p:txBody>
-      </p:sp>
-      <p:sp>
-        <p:nvSpPr>
-          <p:cNvPr id="16" name="TextBox 15"/>
+              <a:rPr lang="ko-KR" altLang="en-US" dirty="0"/>
+              <a:t>일반 노트</a:t>
+            </a:r>
+          </a:p>
+        </p:txBody>
+      </p:sp>
+      <p:sp>
+        <p:nvSpPr>
+          <p:cNvPr id="17" name="TextBox 16"/>
           <p:cNvSpPr txBox="1"/>
           <p:nvPr/>
         </p:nvSpPr>
         <p:spPr>
           <a:xfrm>
-            <a:off x="4338057" y="4631266"/>
-            <a:ext cx="663964" cy="369332"/>
+            <a:off x="8213501" y="3323166"/>
+            <a:ext cx="1454244" cy="369332"/>
           </a:xfrm>
           <a:prstGeom prst="rect">
             <a:avLst/>
@@ -6830,77 +6575,21 @@
           </a:bodyPr>
           <a:lstStyle/>
           <a:p>
-            <a:r>
-              <a:rPr lang="en-US" altLang="ko-KR" dirty="0"/>
-              <a:t>±0.1</a:t>
-            </a:r>
-            <a:endParaRPr lang="ko-KR" altLang="en-US" dirty="0"/>
-          </a:p>
-        </p:txBody>
-      </p:sp>
-      <p:sp>
-        <p:nvSpPr>
-          <p:cNvPr id="17" name="TextBox 16"/>
-          <p:cNvSpPr txBox="1"/>
-          <p:nvPr/>
-        </p:nvSpPr>
-        <p:spPr>
-          <a:xfrm>
-            <a:off x="7153533" y="4631265"/>
-            <a:ext cx="788999" cy="369332"/>
-          </a:xfrm>
-          <a:prstGeom prst="rect">
-            <a:avLst/>
-          </a:prstGeom>
-          <a:noFill/>
-        </p:spPr>
-        <p:txBody>
-          <a:bodyPr wrap="none" rtlCol="0">
-            <a:spAutoFit/>
-          </a:bodyPr>
-          <a:lstStyle/>
-          <a:p>
-            <a:r>
-              <a:rPr lang="en-US" altLang="ko-KR" dirty="0"/>
-              <a:t>±0.25</a:t>
-            </a:r>
-            <a:endParaRPr lang="ko-KR" altLang="en-US" dirty="0"/>
-          </a:p>
-        </p:txBody>
-      </p:sp>
-      <p:sp>
-        <p:nvSpPr>
-          <p:cNvPr id="18" name="TextBox 17"/>
-          <p:cNvSpPr txBox="1"/>
-          <p:nvPr/>
-        </p:nvSpPr>
-        <p:spPr>
-          <a:xfrm>
-            <a:off x="10117351" y="4631265"/>
-            <a:ext cx="415498" cy="369332"/>
-          </a:xfrm>
-          <a:prstGeom prst="rect">
-            <a:avLst/>
-          </a:prstGeom>
-          <a:noFill/>
-        </p:spPr>
-        <p:txBody>
-          <a:bodyPr wrap="none" rtlCol="0">
-            <a:spAutoFit/>
-          </a:bodyPr>
-          <a:lstStyle/>
-          <a:p>
-            <a:r>
-              <a:rPr lang="en-US" altLang="ko-KR" dirty="0"/>
-              <a:t>…</a:t>
-            </a:r>
-            <a:endParaRPr lang="ko-KR" altLang="en-US" dirty="0"/>
+            <a:pPr algn="ctr"/>
+            <a:r>
+              <a:rPr lang="ko-KR" altLang="en-US" dirty="0" err="1"/>
+              <a:t>윗</a:t>
+            </a:r>
+            <a:r>
+              <a:rPr lang="ko-KR" altLang="en-US" dirty="0"/>
+              <a:t> 방향 노트</a:t>
+            </a:r>
           </a:p>
         </p:txBody>
       </p:sp>
       <p:pic>
         <p:nvPicPr>
-          <p:cNvPr id="3" name="그림 2"/>
+          <p:cNvPr id="7" name="그림 6"/>
           <p:cNvPicPr>
             <a:picLocks noChangeAspect="1"/>
           </p:cNvPicPr>
@@ -6920,8 +6609,8 @@
         </p:blipFill>
         <p:spPr>
           <a:xfrm>
-            <a:off x="208587" y="2082799"/>
-            <a:ext cx="3291189" cy="3291189"/>
+            <a:off x="2172650" y="2266747"/>
+            <a:ext cx="1765300" cy="353060"/>
           </a:xfrm>
           <a:prstGeom prst="rect">
             <a:avLst/>
@@ -6930,7 +6619,7 @@
       </p:pic>
       <p:pic>
         <p:nvPicPr>
-          <p:cNvPr id="4" name="그림 3"/>
+          <p:cNvPr id="8" name="그림 7"/>
           <p:cNvPicPr>
             <a:picLocks noChangeAspect="1"/>
           </p:cNvPicPr>
@@ -6950,8 +6639,8 @@
         </p:blipFill>
         <p:spPr>
           <a:xfrm>
-            <a:off x="2960108" y="2018462"/>
-            <a:ext cx="3419861" cy="3419861"/>
+            <a:off x="8019873" y="2266747"/>
+            <a:ext cx="1841500" cy="368300"/>
           </a:xfrm>
           <a:prstGeom prst="rect">
             <a:avLst/>
@@ -6960,7 +6649,7 @@
       </p:pic>
       <p:pic>
         <p:nvPicPr>
-          <p:cNvPr id="5" name="그림 4"/>
+          <p:cNvPr id="9" name="그림 8"/>
           <p:cNvPicPr>
             <a:picLocks noChangeAspect="1"/>
           </p:cNvPicPr>
@@ -6980,17 +6669,47 @@
         </p:blipFill>
         <p:spPr>
           <a:xfrm>
-            <a:off x="5427132" y="1649085"/>
-            <a:ext cx="4241800" cy="4241800"/>
+            <a:off x="2172650" y="4395857"/>
+            <a:ext cx="1765300" cy="353060"/>
           </a:xfrm>
           <a:prstGeom prst="rect">
             <a:avLst/>
           </a:prstGeom>
         </p:spPr>
       </p:pic>
+      <p:sp>
+        <p:nvSpPr>
+          <p:cNvPr id="14" name="TextBox 13"/>
+          <p:cNvSpPr txBox="1"/>
+          <p:nvPr/>
+        </p:nvSpPr>
+        <p:spPr>
+          <a:xfrm>
+            <a:off x="2212763" y="5736166"/>
+            <a:ext cx="1685078" cy="369332"/>
+          </a:xfrm>
+          <a:prstGeom prst="rect">
+            <a:avLst/>
+          </a:prstGeom>
+          <a:noFill/>
+        </p:spPr>
+        <p:txBody>
+          <a:bodyPr wrap="none" rtlCol="0">
+            <a:spAutoFit/>
+          </a:bodyPr>
+          <a:lstStyle/>
+          <a:p>
+            <a:pPr algn="ctr"/>
+            <a:r>
+              <a:rPr lang="ko-KR" altLang="en-US" dirty="0"/>
+              <a:t>왼쪽 방향 노트</a:t>
+            </a:r>
+          </a:p>
+        </p:txBody>
+      </p:sp>
       <p:pic>
         <p:nvPicPr>
-          <p:cNvPr id="6" name="그림 5"/>
+          <p:cNvPr id="10" name="그림 9"/>
           <p:cNvPicPr>
             <a:picLocks noChangeAspect="1"/>
           </p:cNvPicPr>
@@ -7010,18 +6729,48 @@
         </p:blipFill>
         <p:spPr>
           <a:xfrm>
-            <a:off x="8680450" y="2082799"/>
-            <a:ext cx="3289300" cy="3289300"/>
+            <a:off x="8019873" y="4380617"/>
+            <a:ext cx="1841500" cy="368300"/>
           </a:xfrm>
           <a:prstGeom prst="rect">
             <a:avLst/>
           </a:prstGeom>
         </p:spPr>
       </p:pic>
+      <p:sp>
+        <p:nvSpPr>
+          <p:cNvPr id="19" name="TextBox 18"/>
+          <p:cNvSpPr txBox="1"/>
+          <p:nvPr/>
+        </p:nvSpPr>
+        <p:spPr>
+          <a:xfrm>
+            <a:off x="7982669" y="5736166"/>
+            <a:ext cx="1915909" cy="369332"/>
+          </a:xfrm>
+          <a:prstGeom prst="rect">
+            <a:avLst/>
+          </a:prstGeom>
+          <a:noFill/>
+        </p:spPr>
+        <p:txBody>
+          <a:bodyPr wrap="none" rtlCol="0">
+            <a:spAutoFit/>
+          </a:bodyPr>
+          <a:lstStyle/>
+          <a:p>
+            <a:pPr algn="ctr"/>
+            <a:r>
+              <a:rPr lang="ko-KR" altLang="en-US" dirty="0"/>
+              <a:t>오른쪽 방향 노트</a:t>
+            </a:r>
+          </a:p>
+        </p:txBody>
+      </p:sp>
     </p:spTree>
     <p:extLst>
       <p:ext uri="{BB962C8B-B14F-4D97-AF65-F5344CB8AC3E}">
-        <p14:creationId xmlns:p14="http://schemas.microsoft.com/office/powerpoint/2010/main" val="2855303334"/>
+        <p14:creationId xmlns:p14="http://schemas.microsoft.com/office/powerpoint/2010/main" val="1788128138"/>
       </p:ext>
     </p:extLst>
   </p:cSld>
@@ -7055,6 +6804,311 @@
             <a:spLocks noGrp="1"/>
           </p:cNvSpPr>
           <p:nvPr>
+            <p:ph type="title"/>
+          </p:nvPr>
+        </p:nvSpPr>
+        <p:spPr>
+          <a:xfrm>
+            <a:off x="860962" y="237067"/>
+            <a:ext cx="10353761" cy="1326321"/>
+          </a:xfrm>
+        </p:spPr>
+        <p:txBody>
+          <a:bodyPr/>
+          <a:lstStyle/>
+          <a:p>
+            <a:r>
+              <a:rPr lang="ko-KR" altLang="en-US" dirty="0"/>
+              <a:t>게임 시스템 </a:t>
+            </a:r>
+            <a:r>
+              <a:rPr lang="en-US" altLang="ko-KR" dirty="0"/>
+              <a:t>– </a:t>
+            </a:r>
+            <a:r>
+              <a:rPr lang="ko-KR" altLang="en-US" dirty="0"/>
+              <a:t>판정 체계</a:t>
+            </a:r>
+          </a:p>
+        </p:txBody>
+      </p:sp>
+      <p:sp>
+        <p:nvSpPr>
+          <p:cNvPr id="15" name="TextBox 14"/>
+          <p:cNvSpPr txBox="1"/>
+          <p:nvPr/>
+        </p:nvSpPr>
+        <p:spPr>
+          <a:xfrm>
+            <a:off x="1316748" y="4631266"/>
+            <a:ext cx="914033" cy="369332"/>
+          </a:xfrm>
+          <a:prstGeom prst="rect">
+            <a:avLst/>
+          </a:prstGeom>
+          <a:noFill/>
+        </p:spPr>
+        <p:txBody>
+          <a:bodyPr wrap="none" rtlCol="0">
+            <a:spAutoFit/>
+          </a:bodyPr>
+          <a:lstStyle/>
+          <a:p>
+            <a:r>
+              <a:rPr lang="en-US" altLang="ko-KR" dirty="0"/>
+              <a:t>±0.025</a:t>
+            </a:r>
+            <a:endParaRPr lang="ko-KR" altLang="en-US" dirty="0"/>
+          </a:p>
+        </p:txBody>
+      </p:sp>
+      <p:sp>
+        <p:nvSpPr>
+          <p:cNvPr id="16" name="TextBox 15"/>
+          <p:cNvSpPr txBox="1"/>
+          <p:nvPr/>
+        </p:nvSpPr>
+        <p:spPr>
+          <a:xfrm>
+            <a:off x="4338057" y="4631266"/>
+            <a:ext cx="663964" cy="369332"/>
+          </a:xfrm>
+          <a:prstGeom prst="rect">
+            <a:avLst/>
+          </a:prstGeom>
+          <a:noFill/>
+        </p:spPr>
+        <p:txBody>
+          <a:bodyPr wrap="none" rtlCol="0">
+            <a:spAutoFit/>
+          </a:bodyPr>
+          <a:lstStyle/>
+          <a:p>
+            <a:r>
+              <a:rPr lang="en-US" altLang="ko-KR" dirty="0"/>
+              <a:t>±0.1</a:t>
+            </a:r>
+            <a:endParaRPr lang="ko-KR" altLang="en-US" dirty="0"/>
+          </a:p>
+        </p:txBody>
+      </p:sp>
+      <p:sp>
+        <p:nvSpPr>
+          <p:cNvPr id="17" name="TextBox 16"/>
+          <p:cNvSpPr txBox="1"/>
+          <p:nvPr/>
+        </p:nvSpPr>
+        <p:spPr>
+          <a:xfrm>
+            <a:off x="7153533" y="4631265"/>
+            <a:ext cx="788999" cy="369332"/>
+          </a:xfrm>
+          <a:prstGeom prst="rect">
+            <a:avLst/>
+          </a:prstGeom>
+          <a:noFill/>
+        </p:spPr>
+        <p:txBody>
+          <a:bodyPr wrap="none" rtlCol="0">
+            <a:spAutoFit/>
+          </a:bodyPr>
+          <a:lstStyle/>
+          <a:p>
+            <a:r>
+              <a:rPr lang="en-US" altLang="ko-KR" dirty="0"/>
+              <a:t>±0.25</a:t>
+            </a:r>
+            <a:endParaRPr lang="ko-KR" altLang="en-US" dirty="0"/>
+          </a:p>
+        </p:txBody>
+      </p:sp>
+      <p:sp>
+        <p:nvSpPr>
+          <p:cNvPr id="18" name="TextBox 17"/>
+          <p:cNvSpPr txBox="1"/>
+          <p:nvPr/>
+        </p:nvSpPr>
+        <p:spPr>
+          <a:xfrm>
+            <a:off x="10117351" y="4631265"/>
+            <a:ext cx="415498" cy="369332"/>
+          </a:xfrm>
+          <a:prstGeom prst="rect">
+            <a:avLst/>
+          </a:prstGeom>
+          <a:noFill/>
+        </p:spPr>
+        <p:txBody>
+          <a:bodyPr wrap="none" rtlCol="0">
+            <a:spAutoFit/>
+          </a:bodyPr>
+          <a:lstStyle/>
+          <a:p>
+            <a:r>
+              <a:rPr lang="en-US" altLang="ko-KR" dirty="0"/>
+              <a:t>…</a:t>
+            </a:r>
+            <a:endParaRPr lang="ko-KR" altLang="en-US" dirty="0"/>
+          </a:p>
+        </p:txBody>
+      </p:sp>
+      <p:pic>
+        <p:nvPicPr>
+          <p:cNvPr id="3" name="그림 2"/>
+          <p:cNvPicPr>
+            <a:picLocks noChangeAspect="1"/>
+          </p:cNvPicPr>
+          <p:nvPr/>
+        </p:nvPicPr>
+        <p:blipFill>
+          <a:blip r:embed="rId2">
+            <a:extLst>
+              <a:ext uri="{28A0092B-C50C-407E-A947-70E740481C1C}">
+                <a14:useLocalDpi xmlns:a14="http://schemas.microsoft.com/office/drawing/2010/main" val="0"/>
+              </a:ext>
+            </a:extLst>
+          </a:blip>
+          <a:stretch>
+            <a:fillRect/>
+          </a:stretch>
+        </p:blipFill>
+        <p:spPr>
+          <a:xfrm>
+            <a:off x="208587" y="2082799"/>
+            <a:ext cx="3291189" cy="3291189"/>
+          </a:xfrm>
+          <a:prstGeom prst="rect">
+            <a:avLst/>
+          </a:prstGeom>
+        </p:spPr>
+      </p:pic>
+      <p:pic>
+        <p:nvPicPr>
+          <p:cNvPr id="4" name="그림 3"/>
+          <p:cNvPicPr>
+            <a:picLocks noChangeAspect="1"/>
+          </p:cNvPicPr>
+          <p:nvPr/>
+        </p:nvPicPr>
+        <p:blipFill>
+          <a:blip r:embed="rId3">
+            <a:extLst>
+              <a:ext uri="{28A0092B-C50C-407E-A947-70E740481C1C}">
+                <a14:useLocalDpi xmlns:a14="http://schemas.microsoft.com/office/drawing/2010/main" val="0"/>
+              </a:ext>
+            </a:extLst>
+          </a:blip>
+          <a:stretch>
+            <a:fillRect/>
+          </a:stretch>
+        </p:blipFill>
+        <p:spPr>
+          <a:xfrm>
+            <a:off x="2960108" y="2018462"/>
+            <a:ext cx="3419861" cy="3419861"/>
+          </a:xfrm>
+          <a:prstGeom prst="rect">
+            <a:avLst/>
+          </a:prstGeom>
+        </p:spPr>
+      </p:pic>
+      <p:pic>
+        <p:nvPicPr>
+          <p:cNvPr id="5" name="그림 4"/>
+          <p:cNvPicPr>
+            <a:picLocks noChangeAspect="1"/>
+          </p:cNvPicPr>
+          <p:nvPr/>
+        </p:nvPicPr>
+        <p:blipFill>
+          <a:blip r:embed="rId4">
+            <a:extLst>
+              <a:ext uri="{28A0092B-C50C-407E-A947-70E740481C1C}">
+                <a14:useLocalDpi xmlns:a14="http://schemas.microsoft.com/office/drawing/2010/main" val="0"/>
+              </a:ext>
+            </a:extLst>
+          </a:blip>
+          <a:stretch>
+            <a:fillRect/>
+          </a:stretch>
+        </p:blipFill>
+        <p:spPr>
+          <a:xfrm>
+            <a:off x="5427132" y="1649085"/>
+            <a:ext cx="4241800" cy="4241800"/>
+          </a:xfrm>
+          <a:prstGeom prst="rect">
+            <a:avLst/>
+          </a:prstGeom>
+        </p:spPr>
+      </p:pic>
+      <p:pic>
+        <p:nvPicPr>
+          <p:cNvPr id="6" name="그림 5"/>
+          <p:cNvPicPr>
+            <a:picLocks noChangeAspect="1"/>
+          </p:cNvPicPr>
+          <p:nvPr/>
+        </p:nvPicPr>
+        <p:blipFill>
+          <a:blip r:embed="rId5">
+            <a:extLst>
+              <a:ext uri="{28A0092B-C50C-407E-A947-70E740481C1C}">
+                <a14:useLocalDpi xmlns:a14="http://schemas.microsoft.com/office/drawing/2010/main" val="0"/>
+              </a:ext>
+            </a:extLst>
+          </a:blip>
+          <a:stretch>
+            <a:fillRect/>
+          </a:stretch>
+        </p:blipFill>
+        <p:spPr>
+          <a:xfrm>
+            <a:off x="8680450" y="2082799"/>
+            <a:ext cx="3289300" cy="3289300"/>
+          </a:xfrm>
+          <a:prstGeom prst="rect">
+            <a:avLst/>
+          </a:prstGeom>
+        </p:spPr>
+      </p:pic>
+    </p:spTree>
+    <p:extLst>
+      <p:ext uri="{BB962C8B-B14F-4D97-AF65-F5344CB8AC3E}">
+        <p14:creationId xmlns:p14="http://schemas.microsoft.com/office/powerpoint/2010/main" val="2855303334"/>
+      </p:ext>
+    </p:extLst>
+  </p:cSld>
+  <p:clrMapOvr>
+    <a:masterClrMapping/>
+  </p:clrMapOvr>
+</p:sld>
+</file>
+
+<file path=ppt/slides/slide18.xml><?xml version="1.0" encoding="utf-8"?>
+<p:sld xmlns:a="http://schemas.openxmlformats.org/drawingml/2006/main" xmlns:r="http://schemas.openxmlformats.org/officeDocument/2006/relationships" xmlns:p="http://schemas.openxmlformats.org/presentationml/2006/main">
+  <p:cSld>
+    <p:spTree>
+      <p:nvGrpSpPr>
+        <p:cNvPr id="1" name=""/>
+        <p:cNvGrpSpPr/>
+        <p:nvPr/>
+      </p:nvGrpSpPr>
+      <p:grpSpPr>
+        <a:xfrm>
+          <a:off x="0" y="0"/>
+          <a:ext cx="0" cy="0"/>
+          <a:chOff x="0" y="0"/>
+          <a:chExt cx="0" cy="0"/>
+        </a:xfrm>
+      </p:grpSpPr>
+      <p:sp>
+        <p:nvSpPr>
+          <p:cNvPr id="2" name="제목 1"/>
+          <p:cNvSpPr>
+            <a:spLocks noGrp="1"/>
+          </p:cNvSpPr>
+          <p:nvPr>
             <p:ph type="ctrTitle"/>
           </p:nvPr>
         </p:nvSpPr>
@@ -7083,7 +7137,7 @@
 </p:sld>
 </file>
 
-<file path=ppt/slides/slide18.xml><?xml version="1.0" encoding="utf-8"?>
+<file path=ppt/slides/slide19.xml><?xml version="1.0" encoding="utf-8"?>
 <p:sld xmlns:a="http://schemas.openxmlformats.org/drawingml/2006/main" xmlns:r="http://schemas.openxmlformats.org/officeDocument/2006/relationships" xmlns:p="http://schemas.openxmlformats.org/presentationml/2006/main">
   <p:cSld>
     <p:spTree>
@@ -7759,7 +7813,7 @@
             <a:spLocks noGrp="1"/>
           </p:cNvSpPr>
           <p:nvPr>
-            <p:ph type="ctrTitle"/>
+            <p:ph type="title"/>
           </p:nvPr>
         </p:nvSpPr>
         <p:spPr/>
@@ -7769,7 +7823,141 @@
           <a:p>
             <a:r>
               <a:rPr lang="ko-KR" altLang="en-US" dirty="0"/>
-              <a:t>제작 동기</a:t>
+              <a:t>중간 발표 이후 진척 상황</a:t>
+            </a:r>
+          </a:p>
+        </p:txBody>
+      </p:sp>
+      <p:sp>
+        <p:nvSpPr>
+          <p:cNvPr id="3" name="내용 개체 틀 2"/>
+          <p:cNvSpPr>
+            <a:spLocks noGrp="1"/>
+          </p:cNvSpPr>
+          <p:nvPr>
+            <p:ph idx="1"/>
+          </p:nvPr>
+        </p:nvSpPr>
+        <p:spPr/>
+        <p:txBody>
+          <a:bodyPr/>
+          <a:lstStyle/>
+          <a:p>
+            <a:pPr marL="457200" indent="-457200">
+              <a:buFont typeface="+mj-lt"/>
+              <a:buAutoNum type="arabicPeriod"/>
+            </a:pPr>
+            <a:r>
+              <a:rPr lang="en-US" altLang="ko-KR" dirty="0"/>
+              <a:t>UI - UI </a:t>
+            </a:r>
+            <a:r>
+              <a:rPr lang="ko-KR" altLang="en-US" dirty="0"/>
+              <a:t>디자인 개선 </a:t>
+            </a:r>
+            <a:r>
+              <a:rPr lang="en-US" altLang="ko-KR" dirty="0"/>
+              <a:t>(</a:t>
+            </a:r>
+            <a:r>
+              <a:rPr lang="ko-KR" altLang="en-US" dirty="0" err="1"/>
+              <a:t>결과창</a:t>
+            </a:r>
+            <a:r>
+              <a:rPr lang="en-US" altLang="ko-KR" dirty="0"/>
+              <a:t>, </a:t>
+            </a:r>
+            <a:r>
+              <a:rPr lang="ko-KR" altLang="en-US" dirty="0"/>
+              <a:t>플레이 화면</a:t>
+            </a:r>
+            <a:r>
+              <a:rPr lang="en-US" altLang="ko-KR" dirty="0"/>
+              <a:t>)</a:t>
+            </a:r>
+          </a:p>
+          <a:p>
+            <a:pPr marL="457200" indent="-457200">
+              <a:buFont typeface="+mj-lt"/>
+              <a:buAutoNum type="arabicPeriod"/>
+            </a:pPr>
+            <a:r>
+              <a:rPr lang="ko-KR" altLang="en-US" dirty="0"/>
+              <a:t>프로그래밍</a:t>
+            </a:r>
+            <a:r>
+              <a:rPr lang="en-US" altLang="ko-KR" dirty="0"/>
+              <a:t>-</a:t>
+            </a:r>
+            <a:r>
+              <a:rPr lang="ko-KR" altLang="en-US" dirty="0"/>
+              <a:t>슬라이드 노트 구현 완료</a:t>
+            </a:r>
+            <a:r>
+              <a:rPr lang="en-US" altLang="ko-KR" dirty="0"/>
+              <a:t>, </a:t>
+            </a:r>
+            <a:r>
+              <a:rPr lang="ko-KR" altLang="en-US" dirty="0" err="1"/>
+              <a:t>롱노트는</a:t>
+            </a:r>
+            <a:r>
+              <a:rPr lang="ko-KR" altLang="en-US" dirty="0"/>
+              <a:t> 개발 실패</a:t>
+            </a:r>
+            <a:endParaRPr lang="en-US" altLang="ko-KR" dirty="0"/>
+          </a:p>
+          <a:p>
+            <a:pPr marL="457200" indent="-457200">
+              <a:buFont typeface="+mj-lt"/>
+              <a:buAutoNum type="arabicPeriod"/>
+            </a:pPr>
+            <a:r>
+              <a:rPr lang="ko-KR" altLang="en-US" dirty="0"/>
+              <a:t>음원</a:t>
+            </a:r>
+            <a:r>
+              <a:rPr lang="en-US" altLang="ko-KR" dirty="0"/>
+              <a:t>-</a:t>
+            </a:r>
+            <a:r>
+              <a:rPr lang="ko-KR" altLang="en-US" dirty="0"/>
+              <a:t>음원은 능력 부족으로 기존 비마니 곡 사용</a:t>
+            </a:r>
+            <a:r>
+              <a:rPr lang="en-US" altLang="ko-KR" dirty="0"/>
+              <a:t>, </a:t>
+            </a:r>
+            <a:r>
+              <a:rPr lang="ko-KR" altLang="en-US" dirty="0"/>
+              <a:t> 채보는 구현 완료</a:t>
+            </a:r>
+            <a:endParaRPr lang="en-US" altLang="ko-KR" dirty="0"/>
+          </a:p>
+          <a:p>
+            <a:pPr marL="457200" indent="-457200">
+              <a:buFont typeface="+mj-lt"/>
+              <a:buAutoNum type="arabicPeriod"/>
+            </a:pPr>
+            <a:r>
+              <a:rPr lang="ko-KR" altLang="en-US" dirty="0"/>
+              <a:t>일러스트</a:t>
+            </a:r>
+            <a:r>
+              <a:rPr lang="en-US" altLang="ko-KR" dirty="0"/>
+              <a:t>-</a:t>
+            </a:r>
+            <a:r>
+              <a:rPr lang="ko-KR" altLang="en-US" dirty="0"/>
+              <a:t>작업은 했지만 정작 들어갈 곳을 </a:t>
+            </a:r>
+            <a:r>
+              <a:rPr lang="ko-KR" altLang="en-US" dirty="0" err="1"/>
+              <a:t>못찾아서</a:t>
+            </a:r>
+            <a:r>
+              <a:rPr lang="ko-KR" altLang="en-US" dirty="0"/>
+              <a:t> 더미 데이터가 될 가능성이 농후</a:t>
             </a:r>
           </a:p>
         </p:txBody>
@@ -7777,7 +7965,7 @@
     </p:spTree>
     <p:extLst>
       <p:ext uri="{BB962C8B-B14F-4D97-AF65-F5344CB8AC3E}">
-        <p14:creationId xmlns:p14="http://schemas.microsoft.com/office/powerpoint/2010/main" val="1079279146"/>
+        <p14:creationId xmlns:p14="http://schemas.microsoft.com/office/powerpoint/2010/main" val="3594670898"/>
       </p:ext>
     </p:extLst>
   </p:cSld>
@@ -7811,7 +7999,7 @@
             <a:spLocks noGrp="1"/>
           </p:cNvSpPr>
           <p:nvPr>
-            <p:ph type="title"/>
+            <p:ph type="ctrTitle"/>
           </p:nvPr>
         </p:nvSpPr>
         <p:spPr/>
@@ -7821,75 +8009,15 @@
           <a:p>
             <a:r>
               <a:rPr lang="ko-KR" altLang="en-US" dirty="0"/>
-              <a:t>게임 기본 정보</a:t>
-            </a:r>
-          </a:p>
-        </p:txBody>
-      </p:sp>
-      <p:sp>
-        <p:nvSpPr>
-          <p:cNvPr id="3" name="내용 개체 틀 2"/>
-          <p:cNvSpPr>
-            <a:spLocks noGrp="1"/>
-          </p:cNvSpPr>
-          <p:nvPr>
-            <p:ph idx="1"/>
-          </p:nvPr>
-        </p:nvSpPr>
-        <p:spPr>
-          <a:xfrm>
-            <a:off x="1913467" y="2824198"/>
-            <a:ext cx="8363490" cy="2602935"/>
-          </a:xfrm>
-        </p:spPr>
-        <p:txBody>
-          <a:bodyPr/>
-          <a:lstStyle/>
-          <a:p>
-            <a:pPr algn="ctr"/>
-            <a:r>
-              <a:rPr lang="ko-KR" altLang="en-US" dirty="0"/>
-              <a:t>제목 </a:t>
-            </a:r>
-            <a:r>
-              <a:rPr lang="en-US" altLang="ko-KR" dirty="0"/>
-              <a:t>:  </a:t>
-            </a:r>
-            <a:r>
-              <a:rPr lang="ko-KR" altLang="en-US" dirty="0" err="1"/>
-              <a:t>캐피탈리듬</a:t>
-            </a:r>
-            <a:r>
-              <a:rPr lang="ko-KR" altLang="en-US" dirty="0"/>
-              <a:t> 호</a:t>
-            </a:r>
-            <a:r>
-              <a:rPr lang="en-US" altLang="ko-KR" dirty="0"/>
-              <a:t>!</a:t>
-            </a:r>
-          </a:p>
-          <a:p>
-            <a:pPr algn="ctr"/>
-            <a:r>
-              <a:rPr lang="ko-KR" altLang="en-US" dirty="0"/>
-              <a:t>장르 </a:t>
-            </a:r>
-            <a:r>
-              <a:rPr lang="en-US" altLang="ko-KR" dirty="0"/>
-              <a:t>:  </a:t>
-            </a:r>
-            <a:r>
-              <a:rPr lang="ko-KR" altLang="en-US" dirty="0"/>
-              <a:t>리듬 게임</a:t>
-            </a:r>
-            <a:endParaRPr lang="en-US" altLang="ko-KR" dirty="0"/>
+              <a:t>제작 동기</a:t>
+            </a:r>
           </a:p>
         </p:txBody>
       </p:sp>
     </p:spTree>
     <p:extLst>
       <p:ext uri="{BB962C8B-B14F-4D97-AF65-F5344CB8AC3E}">
-        <p14:creationId xmlns:p14="http://schemas.microsoft.com/office/powerpoint/2010/main" val="1866077873"/>
+        <p14:creationId xmlns:p14="http://schemas.microsoft.com/office/powerpoint/2010/main" val="1079279146"/>
       </p:ext>
     </p:extLst>
   </p:cSld>
@@ -7923,7 +8051,7 @@
             <a:spLocks noGrp="1"/>
           </p:cNvSpPr>
           <p:nvPr>
-            <p:ph type="ctrTitle"/>
+            <p:ph type="title"/>
           </p:nvPr>
         </p:nvSpPr>
         <p:spPr/>
@@ -7933,20 +8061,75 @@
           <a:p>
             <a:r>
               <a:rPr lang="ko-KR" altLang="en-US" dirty="0"/>
-              <a:t>게임 </a:t>
+              <a:t>게임 기본 정보</a:t>
+            </a:r>
+          </a:p>
+        </p:txBody>
+      </p:sp>
+      <p:sp>
+        <p:nvSpPr>
+          <p:cNvPr id="3" name="내용 개체 틀 2"/>
+          <p:cNvSpPr>
+            <a:spLocks noGrp="1"/>
+          </p:cNvSpPr>
+          <p:nvPr>
+            <p:ph idx="1"/>
+          </p:nvPr>
+        </p:nvSpPr>
+        <p:spPr>
+          <a:xfrm>
+            <a:off x="1913467" y="2824198"/>
+            <a:ext cx="8363490" cy="2602935"/>
+          </a:xfrm>
+        </p:spPr>
+        <p:txBody>
+          <a:bodyPr/>
+          <a:lstStyle/>
+          <a:p>
+            <a:pPr algn="ctr"/>
+            <a:r>
+              <a:rPr lang="ko-KR" altLang="en-US" dirty="0"/>
+              <a:t>제목 </a:t>
+            </a:r>
+            <a:r>
+              <a:rPr lang="en-US" altLang="ko-KR" dirty="0"/>
+              <a:t>:  </a:t>
             </a:r>
             <a:r>
               <a:rPr lang="ko-KR" altLang="en-US" dirty="0" err="1"/>
-              <a:t>컨셉</a:t>
-            </a:r>
-            <a:endParaRPr lang="ko-KR" altLang="en-US" dirty="0"/>
+              <a:t>캐피탈리듬</a:t>
+            </a:r>
+            <a:r>
+              <a:rPr lang="ko-KR" altLang="en-US" dirty="0"/>
+              <a:t> 호</a:t>
+            </a:r>
+            <a:r>
+              <a:rPr lang="en-US" altLang="ko-KR" dirty="0"/>
+              <a:t>!</a:t>
+            </a:r>
+          </a:p>
+          <a:p>
+            <a:pPr algn="ctr"/>
+            <a:r>
+              <a:rPr lang="ko-KR" altLang="en-US" dirty="0"/>
+              <a:t>장르 </a:t>
+            </a:r>
+            <a:r>
+              <a:rPr lang="en-US" altLang="ko-KR" dirty="0"/>
+              <a:t>:  </a:t>
+            </a:r>
+            <a:r>
+              <a:rPr lang="ko-KR" altLang="en-US" dirty="0"/>
+              <a:t>리듬 게임</a:t>
+            </a:r>
+            <a:endParaRPr lang="en-US" altLang="ko-KR" dirty="0"/>
           </a:p>
         </p:txBody>
       </p:sp>
     </p:spTree>
     <p:extLst>
       <p:ext uri="{BB962C8B-B14F-4D97-AF65-F5344CB8AC3E}">
-        <p14:creationId xmlns:p14="http://schemas.microsoft.com/office/powerpoint/2010/main" val="2457888740"/>
+        <p14:creationId xmlns:p14="http://schemas.microsoft.com/office/powerpoint/2010/main" val="1866077873"/>
       </p:ext>
     </p:extLst>
   </p:cSld>
@@ -7975,6 +8158,63 @@
       </p:grpSpPr>
       <p:sp>
         <p:nvSpPr>
+          <p:cNvPr id="2" name="제목 1"/>
+          <p:cNvSpPr>
+            <a:spLocks noGrp="1"/>
+          </p:cNvSpPr>
+          <p:nvPr>
+            <p:ph type="ctrTitle"/>
+          </p:nvPr>
+        </p:nvSpPr>
+        <p:spPr/>
+        <p:txBody>
+          <a:bodyPr/>
+          <a:lstStyle/>
+          <a:p>
+            <a:r>
+              <a:rPr lang="ko-KR" altLang="en-US" dirty="0"/>
+              <a:t>게임 </a:t>
+            </a:r>
+            <a:r>
+              <a:rPr lang="ko-KR" altLang="en-US" dirty="0" err="1"/>
+              <a:t>컨셉</a:t>
+            </a:r>
+            <a:endParaRPr lang="ko-KR" altLang="en-US" dirty="0"/>
+          </a:p>
+        </p:txBody>
+      </p:sp>
+    </p:spTree>
+    <p:extLst>
+      <p:ext uri="{BB962C8B-B14F-4D97-AF65-F5344CB8AC3E}">
+        <p14:creationId xmlns:p14="http://schemas.microsoft.com/office/powerpoint/2010/main" val="2457888740"/>
+      </p:ext>
+    </p:extLst>
+  </p:cSld>
+  <p:clrMapOvr>
+    <a:masterClrMapping/>
+  </p:clrMapOvr>
+</p:sld>
+</file>
+
+<file path=ppt/slides/slide8.xml><?xml version="1.0" encoding="utf-8"?>
+<p:sld xmlns:a="http://schemas.openxmlformats.org/drawingml/2006/main" xmlns:r="http://schemas.openxmlformats.org/officeDocument/2006/relationships" xmlns:p="http://schemas.openxmlformats.org/presentationml/2006/main">
+  <p:cSld>
+    <p:spTree>
+      <p:nvGrpSpPr>
+        <p:cNvPr id="1" name=""/>
+        <p:cNvGrpSpPr/>
+        <p:nvPr/>
+      </p:nvGrpSpPr>
+      <p:grpSpPr>
+        <a:xfrm>
+          <a:off x="0" y="0"/>
+          <a:ext cx="0" cy="0"/>
+          <a:chOff x="0" y="0"/>
+          <a:chExt cx="0" cy="0"/>
+        </a:xfrm>
+      </p:grpSpPr>
+      <p:sp>
+        <p:nvSpPr>
           <p:cNvPr id="3" name="내용 개체 틀 2"/>
           <p:cNvSpPr>
             <a:spLocks noGrp="1"/>
@@ -8106,7 +8346,7 @@
 </p:sld>
 </file>
 
-<file path=ppt/slides/slide8.xml><?xml version="1.0" encoding="utf-8"?>
+<file path=ppt/slides/slide9.xml><?xml version="1.0" encoding="utf-8"?>
 <p:sld xmlns:a="http://schemas.openxmlformats.org/drawingml/2006/main" xmlns:r="http://schemas.openxmlformats.org/officeDocument/2006/relationships" xmlns:p="http://schemas.openxmlformats.org/presentationml/2006/main">
   <p:cSld>
     <p:spTree>
@@ -8157,58 +8397,6 @@
     <p:extLst>
       <p:ext uri="{BB962C8B-B14F-4D97-AF65-F5344CB8AC3E}">
         <p14:creationId xmlns:p14="http://schemas.microsoft.com/office/powerpoint/2010/main" val="1124294209"/>
-      </p:ext>
-    </p:extLst>
-  </p:cSld>
-  <p:clrMapOvr>
-    <a:masterClrMapping/>
-  </p:clrMapOvr>
-</p:sld>
-</file>
-
-<file path=ppt/slides/slide9.xml><?xml version="1.0" encoding="utf-8"?>
-<p:sld xmlns:a="http://schemas.openxmlformats.org/drawingml/2006/main" xmlns:r="http://schemas.openxmlformats.org/officeDocument/2006/relationships" xmlns:p="http://schemas.openxmlformats.org/presentationml/2006/main">
-  <p:cSld>
-    <p:spTree>
-      <p:nvGrpSpPr>
-        <p:cNvPr id="1" name=""/>
-        <p:cNvGrpSpPr/>
-        <p:nvPr/>
-      </p:nvGrpSpPr>
-      <p:grpSpPr>
-        <a:xfrm>
-          <a:off x="0" y="0"/>
-          <a:ext cx="0" cy="0"/>
-          <a:chOff x="0" y="0"/>
-          <a:chExt cx="0" cy="0"/>
-        </a:xfrm>
-      </p:grpSpPr>
-      <p:sp>
-        <p:nvSpPr>
-          <p:cNvPr id="2" name="제목 1"/>
-          <p:cNvSpPr>
-            <a:spLocks noGrp="1"/>
-          </p:cNvSpPr>
-          <p:nvPr>
-            <p:ph type="ctrTitle"/>
-          </p:nvPr>
-        </p:nvSpPr>
-        <p:spPr/>
-        <p:txBody>
-          <a:bodyPr/>
-          <a:lstStyle/>
-          <a:p>
-            <a:r>
-              <a:rPr lang="ko-KR" altLang="en-US" dirty="0"/>
-              <a:t>게임 세부 소개</a:t>
-            </a:r>
-          </a:p>
-        </p:txBody>
-      </p:sp>
-    </p:spTree>
-    <p:extLst>
-      <p:ext uri="{BB962C8B-B14F-4D97-AF65-F5344CB8AC3E}">
-        <p14:creationId xmlns:p14="http://schemas.microsoft.com/office/powerpoint/2010/main" val="2537192405"/>
       </p:ext>
     </p:extLst>
   </p:cSld>

--- a/ds.pptx
+++ b/ds.pptx
@@ -19,11 +19,10 @@
     <p:sldId id="281" r:id="rId13"/>
     <p:sldId id="285" r:id="rId14"/>
     <p:sldId id="286" r:id="rId15"/>
-    <p:sldId id="282" r:id="rId16"/>
-    <p:sldId id="288" r:id="rId17"/>
-    <p:sldId id="284" r:id="rId18"/>
-    <p:sldId id="270" r:id="rId19"/>
-    <p:sldId id="269" r:id="rId20"/>
+    <p:sldId id="288" r:id="rId16"/>
+    <p:sldId id="284" r:id="rId17"/>
+    <p:sldId id="270" r:id="rId18"/>
+    <p:sldId id="269" r:id="rId19"/>
   </p:sldIdLst>
   <p:sldSz cx="12192000" cy="6858000"/>
   <p:notesSz cx="6858000" cy="9144000"/>
@@ -141,7 +140,6 @@
             <p14:sldId id="281"/>
             <p14:sldId id="285"/>
             <p14:sldId id="286"/>
-            <p14:sldId id="282"/>
             <p14:sldId id="288"/>
             <p14:sldId id="284"/>
             <p14:sldId id="270"/>
@@ -301,7 +299,7 @@
           <a:p>
             <a:fld id="{F0837CCD-F3DA-40D1-A6AE-EFB3CF9800AA}" type="datetimeFigureOut">
               <a:rPr lang="ko-KR" altLang="en-US" smtClean="0"/>
-              <a:t>2016-09-08</a:t>
+              <a:t>2016-09-09</a:t>
             </a:fld>
             <a:endParaRPr lang="ko-KR" altLang="en-US"/>
           </a:p>
@@ -588,7 +586,7 @@
           <a:p>
             <a:fld id="{F0837CCD-F3DA-40D1-A6AE-EFB3CF9800AA}" type="datetimeFigureOut">
               <a:rPr lang="ko-KR" altLang="en-US" smtClean="0"/>
-              <a:t>2016-09-08</a:t>
+              <a:t>2016-09-09</a:t>
             </a:fld>
             <a:endParaRPr lang="ko-KR" altLang="en-US"/>
           </a:p>
@@ -780,7 +778,7 @@
           <a:p>
             <a:fld id="{F0837CCD-F3DA-40D1-A6AE-EFB3CF9800AA}" type="datetimeFigureOut">
               <a:rPr lang="ko-KR" altLang="en-US" smtClean="0"/>
-              <a:t>2016-09-08</a:t>
+              <a:t>2016-09-09</a:t>
             </a:fld>
             <a:endParaRPr lang="ko-KR" altLang="en-US"/>
           </a:p>
@@ -1041,7 +1039,7 @@
           <a:p>
             <a:fld id="{F0837CCD-F3DA-40D1-A6AE-EFB3CF9800AA}" type="datetimeFigureOut">
               <a:rPr lang="ko-KR" altLang="en-US" smtClean="0"/>
-              <a:t>2016-09-08</a:t>
+              <a:t>2016-09-09</a:t>
             </a:fld>
             <a:endParaRPr lang="ko-KR" altLang="en-US"/>
           </a:p>
@@ -1465,7 +1463,7 @@
           <a:p>
             <a:fld id="{F0837CCD-F3DA-40D1-A6AE-EFB3CF9800AA}" type="datetimeFigureOut">
               <a:rPr lang="ko-KR" altLang="en-US" smtClean="0"/>
-              <a:t>2016-09-08</a:t>
+              <a:t>2016-09-09</a:t>
             </a:fld>
             <a:endParaRPr lang="ko-KR" altLang="en-US"/>
           </a:p>
@@ -2011,7 +2009,7 @@
           <a:p>
             <a:fld id="{F0837CCD-F3DA-40D1-A6AE-EFB3CF9800AA}" type="datetimeFigureOut">
               <a:rPr lang="ko-KR" altLang="en-US" smtClean="0"/>
-              <a:t>2016-09-08</a:t>
+              <a:t>2016-09-09</a:t>
             </a:fld>
             <a:endParaRPr lang="ko-KR" altLang="en-US"/>
           </a:p>
@@ -2851,7 +2849,7 @@
           <a:p>
             <a:fld id="{F0837CCD-F3DA-40D1-A6AE-EFB3CF9800AA}" type="datetimeFigureOut">
               <a:rPr lang="ko-KR" altLang="en-US" smtClean="0"/>
-              <a:t>2016-09-08</a:t>
+              <a:t>2016-09-09</a:t>
             </a:fld>
             <a:endParaRPr lang="ko-KR" altLang="en-US"/>
           </a:p>
@@ -3021,7 +3019,7 @@
           <a:p>
             <a:fld id="{F0837CCD-F3DA-40D1-A6AE-EFB3CF9800AA}" type="datetimeFigureOut">
               <a:rPr lang="ko-KR" altLang="en-US" smtClean="0"/>
-              <a:t>2016-09-08</a:t>
+              <a:t>2016-09-09</a:t>
             </a:fld>
             <a:endParaRPr lang="ko-KR" altLang="en-US"/>
           </a:p>
@@ -3205,7 +3203,7 @@
           <a:p>
             <a:fld id="{F0837CCD-F3DA-40D1-A6AE-EFB3CF9800AA}" type="datetimeFigureOut">
               <a:rPr lang="ko-KR" altLang="en-US" smtClean="0"/>
-              <a:t>2016-09-08</a:t>
+              <a:t>2016-09-09</a:t>
             </a:fld>
             <a:endParaRPr lang="ko-KR" altLang="en-US"/>
           </a:p>
@@ -3375,7 +3373,7 @@
           <a:p>
             <a:fld id="{F0837CCD-F3DA-40D1-A6AE-EFB3CF9800AA}" type="datetimeFigureOut">
               <a:rPr lang="ko-KR" altLang="en-US" smtClean="0"/>
-              <a:t>2016-09-08</a:t>
+              <a:t>2016-09-09</a:t>
             </a:fld>
             <a:endParaRPr lang="ko-KR" altLang="en-US"/>
           </a:p>
@@ -3623,7 +3621,7 @@
           <a:p>
             <a:fld id="{F0837CCD-F3DA-40D1-A6AE-EFB3CF9800AA}" type="datetimeFigureOut">
               <a:rPr lang="ko-KR" altLang="en-US" smtClean="0"/>
-              <a:t>2016-09-08</a:t>
+              <a:t>2016-09-09</a:t>
             </a:fld>
             <a:endParaRPr lang="ko-KR" altLang="en-US"/>
           </a:p>
@@ -3860,7 +3858,7 @@
           <a:p>
             <a:fld id="{F0837CCD-F3DA-40D1-A6AE-EFB3CF9800AA}" type="datetimeFigureOut">
               <a:rPr lang="ko-KR" altLang="en-US" smtClean="0"/>
-              <a:t>2016-09-08</a:t>
+              <a:t>2016-09-09</a:t>
             </a:fld>
             <a:endParaRPr lang="ko-KR" altLang="en-US"/>
           </a:p>
@@ -4233,7 +4231,7 @@
           <a:p>
             <a:fld id="{F0837CCD-F3DA-40D1-A6AE-EFB3CF9800AA}" type="datetimeFigureOut">
               <a:rPr lang="ko-KR" altLang="en-US" smtClean="0"/>
-              <a:t>2016-09-08</a:t>
+              <a:t>2016-09-09</a:t>
             </a:fld>
             <a:endParaRPr lang="ko-KR" altLang="en-US"/>
           </a:p>
@@ -4351,7 +4349,7 @@
           <a:p>
             <a:fld id="{F0837CCD-F3DA-40D1-A6AE-EFB3CF9800AA}" type="datetimeFigureOut">
               <a:rPr lang="ko-KR" altLang="en-US" smtClean="0"/>
-              <a:t>2016-09-08</a:t>
+              <a:t>2016-09-09</a:t>
             </a:fld>
             <a:endParaRPr lang="ko-KR" altLang="en-US"/>
           </a:p>
@@ -4446,7 +4444,7 @@
           <a:p>
             <a:fld id="{F0837CCD-F3DA-40D1-A6AE-EFB3CF9800AA}" type="datetimeFigureOut">
               <a:rPr lang="ko-KR" altLang="en-US" smtClean="0"/>
-              <a:t>2016-09-08</a:t>
+              <a:t>2016-09-09</a:t>
             </a:fld>
             <a:endParaRPr lang="ko-KR" altLang="en-US"/>
           </a:p>
@@ -4697,7 +4695,7 @@
           <a:p>
             <a:fld id="{F0837CCD-F3DA-40D1-A6AE-EFB3CF9800AA}" type="datetimeFigureOut">
               <a:rPr lang="ko-KR" altLang="en-US" smtClean="0"/>
-              <a:t>2016-09-08</a:t>
+              <a:t>2016-09-09</a:t>
             </a:fld>
             <a:endParaRPr lang="ko-KR" altLang="en-US"/>
           </a:p>
@@ -4984,7 +4982,7 @@
           <a:p>
             <a:fld id="{F0837CCD-F3DA-40D1-A6AE-EFB3CF9800AA}" type="datetimeFigureOut">
               <a:rPr lang="ko-KR" altLang="en-US" smtClean="0"/>
-              <a:t>2016-09-08</a:t>
+              <a:t>2016-09-09</a:t>
             </a:fld>
             <a:endParaRPr lang="ko-KR" altLang="en-US"/>
           </a:p>
@@ -5197,7 +5195,7 @@
           <a:p>
             <a:fld id="{F0837CCD-F3DA-40D1-A6AE-EFB3CF9800AA}" type="datetimeFigureOut">
               <a:rPr lang="ko-KR" altLang="en-US" smtClean="0"/>
-              <a:t>2016-09-08</a:t>
+              <a:t>2016-09-09</a:t>
             </a:fld>
             <a:endParaRPr lang="ko-KR" altLang="en-US"/>
           </a:p>
@@ -5941,14 +5939,31 @@
               <a:t>&amp; </a:t>
             </a:r>
             <a:r>
-              <a:rPr lang="ko-KR" altLang="en-US" dirty="0" err="1"/>
-              <a:t>안드로이드</a:t>
-            </a:r>
-            <a:r>
               <a:rPr lang="ko-KR" altLang="en-US" dirty="0"/>
-              <a:t> 개발 호기심</a:t>
+              <a:t>안드로이드 개발 호기심</a:t>
             </a:r>
             <a:endParaRPr lang="en-US" altLang="ko-KR" dirty="0"/>
+          </a:p>
+          <a:p>
+            <a:pPr algn="ctr"/>
+            <a:endParaRPr lang="en-US" altLang="ko-KR" dirty="0"/>
+          </a:p>
+          <a:p>
+            <a:pPr marL="3657600" lvl="8" indent="0" algn="ctr">
+              <a:buNone/>
+            </a:pPr>
+            <a:r>
+              <a:rPr lang="en-US" altLang="ko-KR" dirty="0"/>
+              <a:t>#</a:t>
+            </a:r>
+            <a:r>
+              <a:rPr lang="ko-KR" altLang="en-US" dirty="0"/>
+              <a:t>시연용 게임은 아직 모바일 이식이 완료되지 않아 컴퓨터로 진행합니다</a:t>
+            </a:r>
+            <a:r>
+              <a:rPr lang="en-US" altLang="ko-KR" dirty="0"/>
+              <a:t>.</a:t>
+            </a:r>
           </a:p>
         </p:txBody>
       </p:sp>
@@ -6079,7 +6094,15 @@
             </a:r>
             <a:r>
               <a:rPr lang="ko-KR" altLang="en-US" dirty="0"/>
-              <a:t>노트의 처리에 따라 증감하는 체력을 일정 수준 이상 유지하는 것이 목표</a:t>
+              <a:t>노트의 처리에 따라 증감하는 체력을 </a:t>
+            </a:r>
+            <a:r>
+              <a:rPr lang="en-US" altLang="ko-KR" dirty="0"/>
+              <a:t>0%</a:t>
+            </a:r>
+            <a:r>
+              <a:rPr lang="ko-KR" altLang="en-US" dirty="0"/>
+              <a:t>가 되지 않게 유지하는 것이 목표</a:t>
             </a:r>
             <a:r>
               <a:rPr lang="en-US" altLang="ko-KR" dirty="0"/>
@@ -6321,7 +6344,12 @@
             <p:ph type="title"/>
           </p:nvPr>
         </p:nvSpPr>
-        <p:spPr/>
+        <p:spPr>
+          <a:xfrm>
+            <a:off x="860962" y="237067"/>
+            <a:ext cx="10353761" cy="1326321"/>
+          </a:xfrm>
+        </p:spPr>
         <p:txBody>
           <a:bodyPr/>
           <a:lstStyle/>
@@ -6332,24 +6360,24 @@
             </a:r>
             <a:r>
               <a:rPr lang="en-US" altLang="ko-KR" dirty="0"/>
-              <a:t>- </a:t>
+              <a:t>– </a:t>
             </a:r>
             <a:r>
               <a:rPr lang="ko-KR" altLang="en-US" dirty="0"/>
-              <a:t>모드</a:t>
-            </a:r>
-          </a:p>
-        </p:txBody>
-      </p:sp>
-      <p:sp>
-        <p:nvSpPr>
-          <p:cNvPr id="7" name="TextBox 6"/>
+              <a:t>노트</a:t>
+            </a:r>
+          </a:p>
+        </p:txBody>
+      </p:sp>
+      <p:sp>
+        <p:nvSpPr>
+          <p:cNvPr id="15" name="TextBox 14"/>
           <p:cNvSpPr txBox="1"/>
           <p:nvPr/>
         </p:nvSpPr>
         <p:spPr>
           <a:xfrm>
-            <a:off x="2784079" y="5417379"/>
+            <a:off x="2472448" y="3323166"/>
             <a:ext cx="1165704" cy="369332"/>
           </a:xfrm>
           <a:prstGeom prst="rect">
@@ -6365,21 +6393,21 @@
           <a:p>
             <a:r>
               <a:rPr lang="ko-KR" altLang="en-US" dirty="0"/>
-              <a:t>모의 전투</a:t>
-            </a:r>
-          </a:p>
-        </p:txBody>
-      </p:sp>
-      <p:sp>
-        <p:nvSpPr>
-          <p:cNvPr id="8" name="TextBox 7"/>
+              <a:t>일반 노트</a:t>
+            </a:r>
+          </a:p>
+        </p:txBody>
+      </p:sp>
+      <p:sp>
+        <p:nvSpPr>
+          <p:cNvPr id="17" name="TextBox 16"/>
           <p:cNvSpPr txBox="1"/>
           <p:nvPr/>
         </p:nvSpPr>
         <p:spPr>
           <a:xfrm>
-            <a:off x="7797558" y="5417379"/>
-            <a:ext cx="646331" cy="369332"/>
+            <a:off x="8213501" y="3323166"/>
+            <a:ext cx="1454244" cy="369332"/>
           </a:xfrm>
           <a:prstGeom prst="rect">
             <a:avLst/>
@@ -6392,16 +6420,21 @@
           </a:bodyPr>
           <a:lstStyle/>
           <a:p>
+            <a:pPr algn="ctr"/>
+            <a:r>
+              <a:rPr lang="ko-KR" altLang="en-US" dirty="0" err="1"/>
+              <a:t>윗</a:t>
+            </a:r>
             <a:r>
               <a:rPr lang="ko-KR" altLang="en-US" dirty="0"/>
-              <a:t>실전</a:t>
+              <a:t> 방향 노트</a:t>
             </a:r>
           </a:p>
         </p:txBody>
       </p:sp>
       <p:pic>
         <p:nvPicPr>
-          <p:cNvPr id="3" name="그림 2"/>
+          <p:cNvPr id="7" name="그림 6"/>
           <p:cNvPicPr>
             <a:picLocks noChangeAspect="1"/>
           </p:cNvPicPr>
@@ -6421,8 +6454,8 @@
         </p:blipFill>
         <p:spPr>
           <a:xfrm>
-            <a:off x="6685960" y="2171700"/>
-            <a:ext cx="2869528" cy="2869528"/>
+            <a:off x="2172650" y="2266747"/>
+            <a:ext cx="1765300" cy="353060"/>
           </a:xfrm>
           <a:prstGeom prst="rect">
             <a:avLst/>
@@ -6431,7 +6464,7 @@
       </p:pic>
       <p:pic>
         <p:nvPicPr>
-          <p:cNvPr id="4" name="그림 3"/>
+          <p:cNvPr id="8" name="그림 7"/>
           <p:cNvPicPr>
             <a:picLocks noChangeAspect="1"/>
           </p:cNvPicPr>
@@ -6451,18 +6484,138 @@
         </p:blipFill>
         <p:spPr>
           <a:xfrm>
-            <a:off x="1861981" y="2171700"/>
-            <a:ext cx="3009900" cy="3009900"/>
+            <a:off x="8019873" y="2266747"/>
+            <a:ext cx="1841500" cy="368300"/>
           </a:xfrm>
           <a:prstGeom prst="rect">
             <a:avLst/>
           </a:prstGeom>
         </p:spPr>
       </p:pic>
+      <p:pic>
+        <p:nvPicPr>
+          <p:cNvPr id="9" name="그림 8"/>
+          <p:cNvPicPr>
+            <a:picLocks noChangeAspect="1"/>
+          </p:cNvPicPr>
+          <p:nvPr/>
+        </p:nvPicPr>
+        <p:blipFill>
+          <a:blip r:embed="rId4">
+            <a:extLst>
+              <a:ext uri="{28A0092B-C50C-407E-A947-70E740481C1C}">
+                <a14:useLocalDpi xmlns:a14="http://schemas.microsoft.com/office/drawing/2010/main" val="0"/>
+              </a:ext>
+            </a:extLst>
+          </a:blip>
+          <a:stretch>
+            <a:fillRect/>
+          </a:stretch>
+        </p:blipFill>
+        <p:spPr>
+          <a:xfrm>
+            <a:off x="2172650" y="4395857"/>
+            <a:ext cx="1765300" cy="353060"/>
+          </a:xfrm>
+          <a:prstGeom prst="rect">
+            <a:avLst/>
+          </a:prstGeom>
+        </p:spPr>
+      </p:pic>
+      <p:sp>
+        <p:nvSpPr>
+          <p:cNvPr id="14" name="TextBox 13"/>
+          <p:cNvSpPr txBox="1"/>
+          <p:nvPr/>
+        </p:nvSpPr>
+        <p:spPr>
+          <a:xfrm>
+            <a:off x="2212763" y="5736166"/>
+            <a:ext cx="1685078" cy="369332"/>
+          </a:xfrm>
+          <a:prstGeom prst="rect">
+            <a:avLst/>
+          </a:prstGeom>
+          <a:noFill/>
+        </p:spPr>
+        <p:txBody>
+          <a:bodyPr wrap="none" rtlCol="0">
+            <a:spAutoFit/>
+          </a:bodyPr>
+          <a:lstStyle/>
+          <a:p>
+            <a:pPr algn="ctr"/>
+            <a:r>
+              <a:rPr lang="ko-KR" altLang="en-US" dirty="0"/>
+              <a:t>왼쪽 방향 노트</a:t>
+            </a:r>
+          </a:p>
+        </p:txBody>
+      </p:sp>
+      <p:pic>
+        <p:nvPicPr>
+          <p:cNvPr id="10" name="그림 9"/>
+          <p:cNvPicPr>
+            <a:picLocks noChangeAspect="1"/>
+          </p:cNvPicPr>
+          <p:nvPr/>
+        </p:nvPicPr>
+        <p:blipFill>
+          <a:blip r:embed="rId5">
+            <a:extLst>
+              <a:ext uri="{28A0092B-C50C-407E-A947-70E740481C1C}">
+                <a14:useLocalDpi xmlns:a14="http://schemas.microsoft.com/office/drawing/2010/main" val="0"/>
+              </a:ext>
+            </a:extLst>
+          </a:blip>
+          <a:stretch>
+            <a:fillRect/>
+          </a:stretch>
+        </p:blipFill>
+        <p:spPr>
+          <a:xfrm>
+            <a:off x="8019873" y="4380617"/>
+            <a:ext cx="1841500" cy="368300"/>
+          </a:xfrm>
+          <a:prstGeom prst="rect">
+            <a:avLst/>
+          </a:prstGeom>
+        </p:spPr>
+      </p:pic>
+      <p:sp>
+        <p:nvSpPr>
+          <p:cNvPr id="19" name="TextBox 18"/>
+          <p:cNvSpPr txBox="1"/>
+          <p:nvPr/>
+        </p:nvSpPr>
+        <p:spPr>
+          <a:xfrm>
+            <a:off x="7982669" y="5736166"/>
+            <a:ext cx="1915909" cy="369332"/>
+          </a:xfrm>
+          <a:prstGeom prst="rect">
+            <a:avLst/>
+          </a:prstGeom>
+          <a:noFill/>
+        </p:spPr>
+        <p:txBody>
+          <a:bodyPr wrap="none" rtlCol="0">
+            <a:spAutoFit/>
+          </a:bodyPr>
+          <a:lstStyle/>
+          <a:p>
+            <a:pPr algn="ctr"/>
+            <a:r>
+              <a:rPr lang="ko-KR" altLang="en-US" dirty="0"/>
+              <a:t>오른쪽 방향 노트</a:t>
+            </a:r>
+          </a:p>
+        </p:txBody>
+      </p:sp>
     </p:spTree>
     <p:extLst>
       <p:ext uri="{BB962C8B-B14F-4D97-AF65-F5344CB8AC3E}">
-        <p14:creationId xmlns:p14="http://schemas.microsoft.com/office/powerpoint/2010/main" val="2855303334"/>
+        <p14:creationId xmlns:p14="http://schemas.microsoft.com/office/powerpoint/2010/main" val="1788128138"/>
       </p:ext>
     </p:extLst>
   </p:cSld>
@@ -6519,7 +6672,7 @@
             </a:r>
             <a:r>
               <a:rPr lang="ko-KR" altLang="en-US" dirty="0"/>
-              <a:t>노트</a:t>
+              <a:t>판정 체계</a:t>
             </a:r>
           </a:p>
         </p:txBody>
@@ -6532,8 +6685,8 @@
         </p:nvSpPr>
         <p:spPr>
           <a:xfrm>
-            <a:off x="2472448" y="3323166"/>
-            <a:ext cx="1165704" cy="369332"/>
+            <a:off x="1316748" y="4631266"/>
+            <a:ext cx="914033" cy="369332"/>
           </a:xfrm>
           <a:prstGeom prst="rect">
             <a:avLst/>
@@ -6547,22 +6700,23 @@
           <a:lstStyle/>
           <a:p>
             <a:r>
-              <a:rPr lang="ko-KR" altLang="en-US" dirty="0"/>
-              <a:t>일반 노트</a:t>
-            </a:r>
-          </a:p>
-        </p:txBody>
-      </p:sp>
-      <p:sp>
-        <p:nvSpPr>
-          <p:cNvPr id="17" name="TextBox 16"/>
+              <a:rPr lang="en-US" altLang="ko-KR" dirty="0"/>
+              <a:t>±0.025</a:t>
+            </a:r>
+            <a:endParaRPr lang="ko-KR" altLang="en-US" dirty="0"/>
+          </a:p>
+        </p:txBody>
+      </p:sp>
+      <p:sp>
+        <p:nvSpPr>
+          <p:cNvPr id="16" name="TextBox 15"/>
           <p:cNvSpPr txBox="1"/>
           <p:nvPr/>
         </p:nvSpPr>
         <p:spPr>
           <a:xfrm>
-            <a:off x="8213501" y="3323166"/>
-            <a:ext cx="1454244" cy="369332"/>
+            <a:off x="4338057" y="4631266"/>
+            <a:ext cx="663964" cy="369332"/>
           </a:xfrm>
           <a:prstGeom prst="rect">
             <a:avLst/>
@@ -6575,21 +6729,77 @@
           </a:bodyPr>
           <a:lstStyle/>
           <a:p>
-            <a:pPr algn="ctr"/>
-            <a:r>
-              <a:rPr lang="ko-KR" altLang="en-US" dirty="0" err="1"/>
-              <a:t>윗</a:t>
-            </a:r>
-            <a:r>
-              <a:rPr lang="ko-KR" altLang="en-US" dirty="0"/>
-              <a:t> 방향 노트</a:t>
-            </a:r>
+            <a:r>
+              <a:rPr lang="en-US" altLang="ko-KR" dirty="0"/>
+              <a:t>±0.1</a:t>
+            </a:r>
+            <a:endParaRPr lang="ko-KR" altLang="en-US" dirty="0"/>
+          </a:p>
+        </p:txBody>
+      </p:sp>
+      <p:sp>
+        <p:nvSpPr>
+          <p:cNvPr id="17" name="TextBox 16"/>
+          <p:cNvSpPr txBox="1"/>
+          <p:nvPr/>
+        </p:nvSpPr>
+        <p:spPr>
+          <a:xfrm>
+            <a:off x="7153533" y="4631265"/>
+            <a:ext cx="788999" cy="369332"/>
+          </a:xfrm>
+          <a:prstGeom prst="rect">
+            <a:avLst/>
+          </a:prstGeom>
+          <a:noFill/>
+        </p:spPr>
+        <p:txBody>
+          <a:bodyPr wrap="none" rtlCol="0">
+            <a:spAutoFit/>
+          </a:bodyPr>
+          <a:lstStyle/>
+          <a:p>
+            <a:r>
+              <a:rPr lang="en-US" altLang="ko-KR" dirty="0"/>
+              <a:t>±0.25</a:t>
+            </a:r>
+            <a:endParaRPr lang="ko-KR" altLang="en-US" dirty="0"/>
+          </a:p>
+        </p:txBody>
+      </p:sp>
+      <p:sp>
+        <p:nvSpPr>
+          <p:cNvPr id="18" name="TextBox 17"/>
+          <p:cNvSpPr txBox="1"/>
+          <p:nvPr/>
+        </p:nvSpPr>
+        <p:spPr>
+          <a:xfrm>
+            <a:off x="10117351" y="4631265"/>
+            <a:ext cx="415498" cy="369332"/>
+          </a:xfrm>
+          <a:prstGeom prst="rect">
+            <a:avLst/>
+          </a:prstGeom>
+          <a:noFill/>
+        </p:spPr>
+        <p:txBody>
+          <a:bodyPr wrap="none" rtlCol="0">
+            <a:spAutoFit/>
+          </a:bodyPr>
+          <a:lstStyle/>
+          <a:p>
+            <a:r>
+              <a:rPr lang="en-US" altLang="ko-KR" dirty="0"/>
+              <a:t>…</a:t>
+            </a:r>
+            <a:endParaRPr lang="ko-KR" altLang="en-US" dirty="0"/>
           </a:p>
         </p:txBody>
       </p:sp>
       <p:pic>
         <p:nvPicPr>
-          <p:cNvPr id="7" name="그림 6"/>
+          <p:cNvPr id="3" name="그림 2"/>
           <p:cNvPicPr>
             <a:picLocks noChangeAspect="1"/>
           </p:cNvPicPr>
@@ -6609,8 +6819,8 @@
         </p:blipFill>
         <p:spPr>
           <a:xfrm>
-            <a:off x="2172650" y="2266747"/>
-            <a:ext cx="1765300" cy="353060"/>
+            <a:off x="208587" y="2082799"/>
+            <a:ext cx="3291189" cy="3291189"/>
           </a:xfrm>
           <a:prstGeom prst="rect">
             <a:avLst/>
@@ -6619,7 +6829,7 @@
       </p:pic>
       <p:pic>
         <p:nvPicPr>
-          <p:cNvPr id="8" name="그림 7"/>
+          <p:cNvPr id="4" name="그림 3"/>
           <p:cNvPicPr>
             <a:picLocks noChangeAspect="1"/>
           </p:cNvPicPr>
@@ -6639,8 +6849,8 @@
         </p:blipFill>
         <p:spPr>
           <a:xfrm>
-            <a:off x="8019873" y="2266747"/>
-            <a:ext cx="1841500" cy="368300"/>
+            <a:off x="2960108" y="2018462"/>
+            <a:ext cx="3419861" cy="3419861"/>
           </a:xfrm>
           <a:prstGeom prst="rect">
             <a:avLst/>
@@ -6649,7 +6859,7 @@
       </p:pic>
       <p:pic>
         <p:nvPicPr>
-          <p:cNvPr id="9" name="그림 8"/>
+          <p:cNvPr id="5" name="그림 4"/>
           <p:cNvPicPr>
             <a:picLocks noChangeAspect="1"/>
           </p:cNvPicPr>
@@ -6669,47 +6879,17 @@
         </p:blipFill>
         <p:spPr>
           <a:xfrm>
-            <a:off x="2172650" y="4395857"/>
-            <a:ext cx="1765300" cy="353060"/>
+            <a:off x="5427132" y="1649085"/>
+            <a:ext cx="4241800" cy="4241800"/>
           </a:xfrm>
           <a:prstGeom prst="rect">
             <a:avLst/>
           </a:prstGeom>
         </p:spPr>
       </p:pic>
-      <p:sp>
-        <p:nvSpPr>
-          <p:cNvPr id="14" name="TextBox 13"/>
-          <p:cNvSpPr txBox="1"/>
-          <p:nvPr/>
-        </p:nvSpPr>
-        <p:spPr>
-          <a:xfrm>
-            <a:off x="2212763" y="5736166"/>
-            <a:ext cx="1685078" cy="369332"/>
-          </a:xfrm>
-          <a:prstGeom prst="rect">
-            <a:avLst/>
-          </a:prstGeom>
-          <a:noFill/>
-        </p:spPr>
-        <p:txBody>
-          <a:bodyPr wrap="none" rtlCol="0">
-            <a:spAutoFit/>
-          </a:bodyPr>
-          <a:lstStyle/>
-          <a:p>
-            <a:pPr algn="ctr"/>
-            <a:r>
-              <a:rPr lang="ko-KR" altLang="en-US" dirty="0"/>
-              <a:t>왼쪽 방향 노트</a:t>
-            </a:r>
-          </a:p>
-        </p:txBody>
-      </p:sp>
       <p:pic>
         <p:nvPicPr>
-          <p:cNvPr id="10" name="그림 9"/>
+          <p:cNvPr id="6" name="그림 5"/>
           <p:cNvPicPr>
             <a:picLocks noChangeAspect="1"/>
           </p:cNvPicPr>
@@ -6729,48 +6909,18 @@
         </p:blipFill>
         <p:spPr>
           <a:xfrm>
-            <a:off x="8019873" y="4380617"/>
-            <a:ext cx="1841500" cy="368300"/>
+            <a:off x="8680450" y="2082799"/>
+            <a:ext cx="3289300" cy="3289300"/>
           </a:xfrm>
           <a:prstGeom prst="rect">
             <a:avLst/>
           </a:prstGeom>
         </p:spPr>
       </p:pic>
-      <p:sp>
-        <p:nvSpPr>
-          <p:cNvPr id="19" name="TextBox 18"/>
-          <p:cNvSpPr txBox="1"/>
-          <p:nvPr/>
-        </p:nvSpPr>
-        <p:spPr>
-          <a:xfrm>
-            <a:off x="7982669" y="5736166"/>
-            <a:ext cx="1915909" cy="369332"/>
-          </a:xfrm>
-          <a:prstGeom prst="rect">
-            <a:avLst/>
-          </a:prstGeom>
-          <a:noFill/>
-        </p:spPr>
-        <p:txBody>
-          <a:bodyPr wrap="none" rtlCol="0">
-            <a:spAutoFit/>
-          </a:bodyPr>
-          <a:lstStyle/>
-          <a:p>
-            <a:pPr algn="ctr"/>
-            <a:r>
-              <a:rPr lang="ko-KR" altLang="en-US" dirty="0"/>
-              <a:t>오른쪽 방향 노트</a:t>
-            </a:r>
-          </a:p>
-        </p:txBody>
-      </p:sp>
     </p:spTree>
     <p:extLst>
       <p:ext uri="{BB962C8B-B14F-4D97-AF65-F5344CB8AC3E}">
-        <p14:creationId xmlns:p14="http://schemas.microsoft.com/office/powerpoint/2010/main" val="1788128138"/>
+        <p14:creationId xmlns:p14="http://schemas.microsoft.com/office/powerpoint/2010/main" val="2855303334"/>
       </p:ext>
     </p:extLst>
   </p:cSld>
@@ -6804,311 +6954,6 @@
             <a:spLocks noGrp="1"/>
           </p:cNvSpPr>
           <p:nvPr>
-            <p:ph type="title"/>
-          </p:nvPr>
-        </p:nvSpPr>
-        <p:spPr>
-          <a:xfrm>
-            <a:off x="860962" y="237067"/>
-            <a:ext cx="10353761" cy="1326321"/>
-          </a:xfrm>
-        </p:spPr>
-        <p:txBody>
-          <a:bodyPr/>
-          <a:lstStyle/>
-          <a:p>
-            <a:r>
-              <a:rPr lang="ko-KR" altLang="en-US" dirty="0"/>
-              <a:t>게임 시스템 </a:t>
-            </a:r>
-            <a:r>
-              <a:rPr lang="en-US" altLang="ko-KR" dirty="0"/>
-              <a:t>– </a:t>
-            </a:r>
-            <a:r>
-              <a:rPr lang="ko-KR" altLang="en-US" dirty="0"/>
-              <a:t>판정 체계</a:t>
-            </a:r>
-          </a:p>
-        </p:txBody>
-      </p:sp>
-      <p:sp>
-        <p:nvSpPr>
-          <p:cNvPr id="15" name="TextBox 14"/>
-          <p:cNvSpPr txBox="1"/>
-          <p:nvPr/>
-        </p:nvSpPr>
-        <p:spPr>
-          <a:xfrm>
-            <a:off x="1316748" y="4631266"/>
-            <a:ext cx="914033" cy="369332"/>
-          </a:xfrm>
-          <a:prstGeom prst="rect">
-            <a:avLst/>
-          </a:prstGeom>
-          <a:noFill/>
-        </p:spPr>
-        <p:txBody>
-          <a:bodyPr wrap="none" rtlCol="0">
-            <a:spAutoFit/>
-          </a:bodyPr>
-          <a:lstStyle/>
-          <a:p>
-            <a:r>
-              <a:rPr lang="en-US" altLang="ko-KR" dirty="0"/>
-              <a:t>±0.025</a:t>
-            </a:r>
-            <a:endParaRPr lang="ko-KR" altLang="en-US" dirty="0"/>
-          </a:p>
-        </p:txBody>
-      </p:sp>
-      <p:sp>
-        <p:nvSpPr>
-          <p:cNvPr id="16" name="TextBox 15"/>
-          <p:cNvSpPr txBox="1"/>
-          <p:nvPr/>
-        </p:nvSpPr>
-        <p:spPr>
-          <a:xfrm>
-            <a:off x="4338057" y="4631266"/>
-            <a:ext cx="663964" cy="369332"/>
-          </a:xfrm>
-          <a:prstGeom prst="rect">
-            <a:avLst/>
-          </a:prstGeom>
-          <a:noFill/>
-        </p:spPr>
-        <p:txBody>
-          <a:bodyPr wrap="none" rtlCol="0">
-            <a:spAutoFit/>
-          </a:bodyPr>
-          <a:lstStyle/>
-          <a:p>
-            <a:r>
-              <a:rPr lang="en-US" altLang="ko-KR" dirty="0"/>
-              <a:t>±0.1</a:t>
-            </a:r>
-            <a:endParaRPr lang="ko-KR" altLang="en-US" dirty="0"/>
-          </a:p>
-        </p:txBody>
-      </p:sp>
-      <p:sp>
-        <p:nvSpPr>
-          <p:cNvPr id="17" name="TextBox 16"/>
-          <p:cNvSpPr txBox="1"/>
-          <p:nvPr/>
-        </p:nvSpPr>
-        <p:spPr>
-          <a:xfrm>
-            <a:off x="7153533" y="4631265"/>
-            <a:ext cx="788999" cy="369332"/>
-          </a:xfrm>
-          <a:prstGeom prst="rect">
-            <a:avLst/>
-          </a:prstGeom>
-          <a:noFill/>
-        </p:spPr>
-        <p:txBody>
-          <a:bodyPr wrap="none" rtlCol="0">
-            <a:spAutoFit/>
-          </a:bodyPr>
-          <a:lstStyle/>
-          <a:p>
-            <a:r>
-              <a:rPr lang="en-US" altLang="ko-KR" dirty="0"/>
-              <a:t>±0.25</a:t>
-            </a:r>
-            <a:endParaRPr lang="ko-KR" altLang="en-US" dirty="0"/>
-          </a:p>
-        </p:txBody>
-      </p:sp>
-      <p:sp>
-        <p:nvSpPr>
-          <p:cNvPr id="18" name="TextBox 17"/>
-          <p:cNvSpPr txBox="1"/>
-          <p:nvPr/>
-        </p:nvSpPr>
-        <p:spPr>
-          <a:xfrm>
-            <a:off x="10117351" y="4631265"/>
-            <a:ext cx="415498" cy="369332"/>
-          </a:xfrm>
-          <a:prstGeom prst="rect">
-            <a:avLst/>
-          </a:prstGeom>
-          <a:noFill/>
-        </p:spPr>
-        <p:txBody>
-          <a:bodyPr wrap="none" rtlCol="0">
-            <a:spAutoFit/>
-          </a:bodyPr>
-          <a:lstStyle/>
-          <a:p>
-            <a:r>
-              <a:rPr lang="en-US" altLang="ko-KR" dirty="0"/>
-              <a:t>…</a:t>
-            </a:r>
-            <a:endParaRPr lang="ko-KR" altLang="en-US" dirty="0"/>
-          </a:p>
-        </p:txBody>
-      </p:sp>
-      <p:pic>
-        <p:nvPicPr>
-          <p:cNvPr id="3" name="그림 2"/>
-          <p:cNvPicPr>
-            <a:picLocks noChangeAspect="1"/>
-          </p:cNvPicPr>
-          <p:nvPr/>
-        </p:nvPicPr>
-        <p:blipFill>
-          <a:blip r:embed="rId2">
-            <a:extLst>
-              <a:ext uri="{28A0092B-C50C-407E-A947-70E740481C1C}">
-                <a14:useLocalDpi xmlns:a14="http://schemas.microsoft.com/office/drawing/2010/main" val="0"/>
-              </a:ext>
-            </a:extLst>
-          </a:blip>
-          <a:stretch>
-            <a:fillRect/>
-          </a:stretch>
-        </p:blipFill>
-        <p:spPr>
-          <a:xfrm>
-            <a:off x="208587" y="2082799"/>
-            <a:ext cx="3291189" cy="3291189"/>
-          </a:xfrm>
-          <a:prstGeom prst="rect">
-            <a:avLst/>
-          </a:prstGeom>
-        </p:spPr>
-      </p:pic>
-      <p:pic>
-        <p:nvPicPr>
-          <p:cNvPr id="4" name="그림 3"/>
-          <p:cNvPicPr>
-            <a:picLocks noChangeAspect="1"/>
-          </p:cNvPicPr>
-          <p:nvPr/>
-        </p:nvPicPr>
-        <p:blipFill>
-          <a:blip r:embed="rId3">
-            <a:extLst>
-              <a:ext uri="{28A0092B-C50C-407E-A947-70E740481C1C}">
-                <a14:useLocalDpi xmlns:a14="http://schemas.microsoft.com/office/drawing/2010/main" val="0"/>
-              </a:ext>
-            </a:extLst>
-          </a:blip>
-          <a:stretch>
-            <a:fillRect/>
-          </a:stretch>
-        </p:blipFill>
-        <p:spPr>
-          <a:xfrm>
-            <a:off x="2960108" y="2018462"/>
-            <a:ext cx="3419861" cy="3419861"/>
-          </a:xfrm>
-          <a:prstGeom prst="rect">
-            <a:avLst/>
-          </a:prstGeom>
-        </p:spPr>
-      </p:pic>
-      <p:pic>
-        <p:nvPicPr>
-          <p:cNvPr id="5" name="그림 4"/>
-          <p:cNvPicPr>
-            <a:picLocks noChangeAspect="1"/>
-          </p:cNvPicPr>
-          <p:nvPr/>
-        </p:nvPicPr>
-        <p:blipFill>
-          <a:blip r:embed="rId4">
-            <a:extLst>
-              <a:ext uri="{28A0092B-C50C-407E-A947-70E740481C1C}">
-                <a14:useLocalDpi xmlns:a14="http://schemas.microsoft.com/office/drawing/2010/main" val="0"/>
-              </a:ext>
-            </a:extLst>
-          </a:blip>
-          <a:stretch>
-            <a:fillRect/>
-          </a:stretch>
-        </p:blipFill>
-        <p:spPr>
-          <a:xfrm>
-            <a:off x="5427132" y="1649085"/>
-            <a:ext cx="4241800" cy="4241800"/>
-          </a:xfrm>
-          <a:prstGeom prst="rect">
-            <a:avLst/>
-          </a:prstGeom>
-        </p:spPr>
-      </p:pic>
-      <p:pic>
-        <p:nvPicPr>
-          <p:cNvPr id="6" name="그림 5"/>
-          <p:cNvPicPr>
-            <a:picLocks noChangeAspect="1"/>
-          </p:cNvPicPr>
-          <p:nvPr/>
-        </p:nvPicPr>
-        <p:blipFill>
-          <a:blip r:embed="rId5">
-            <a:extLst>
-              <a:ext uri="{28A0092B-C50C-407E-A947-70E740481C1C}">
-                <a14:useLocalDpi xmlns:a14="http://schemas.microsoft.com/office/drawing/2010/main" val="0"/>
-              </a:ext>
-            </a:extLst>
-          </a:blip>
-          <a:stretch>
-            <a:fillRect/>
-          </a:stretch>
-        </p:blipFill>
-        <p:spPr>
-          <a:xfrm>
-            <a:off x="8680450" y="2082799"/>
-            <a:ext cx="3289300" cy="3289300"/>
-          </a:xfrm>
-          <a:prstGeom prst="rect">
-            <a:avLst/>
-          </a:prstGeom>
-        </p:spPr>
-      </p:pic>
-    </p:spTree>
-    <p:extLst>
-      <p:ext uri="{BB962C8B-B14F-4D97-AF65-F5344CB8AC3E}">
-        <p14:creationId xmlns:p14="http://schemas.microsoft.com/office/powerpoint/2010/main" val="2855303334"/>
-      </p:ext>
-    </p:extLst>
-  </p:cSld>
-  <p:clrMapOvr>
-    <a:masterClrMapping/>
-  </p:clrMapOvr>
-</p:sld>
-</file>
-
-<file path=ppt/slides/slide18.xml><?xml version="1.0" encoding="utf-8"?>
-<p:sld xmlns:a="http://schemas.openxmlformats.org/drawingml/2006/main" xmlns:r="http://schemas.openxmlformats.org/officeDocument/2006/relationships" xmlns:p="http://schemas.openxmlformats.org/presentationml/2006/main">
-  <p:cSld>
-    <p:spTree>
-      <p:nvGrpSpPr>
-        <p:cNvPr id="1" name=""/>
-        <p:cNvGrpSpPr/>
-        <p:nvPr/>
-      </p:nvGrpSpPr>
-      <p:grpSpPr>
-        <a:xfrm>
-          <a:off x="0" y="0"/>
-          <a:ext cx="0" cy="0"/>
-          <a:chOff x="0" y="0"/>
-          <a:chExt cx="0" cy="0"/>
-        </a:xfrm>
-      </p:grpSpPr>
-      <p:sp>
-        <p:nvSpPr>
-          <p:cNvPr id="2" name="제목 1"/>
-          <p:cNvSpPr>
-            <a:spLocks noGrp="1"/>
-          </p:cNvSpPr>
-          <p:nvPr>
             <p:ph type="ctrTitle"/>
           </p:nvPr>
         </p:nvSpPr>
@@ -7137,7 +6982,7 @@
 </p:sld>
 </file>
 
-<file path=ppt/slides/slide19.xml><?xml version="1.0" encoding="utf-8"?>
+<file path=ppt/slides/slide18.xml><?xml version="1.0" encoding="utf-8"?>
 <p:sld xmlns:a="http://schemas.openxmlformats.org/drawingml/2006/main" xmlns:r="http://schemas.openxmlformats.org/officeDocument/2006/relationships" xmlns:p="http://schemas.openxmlformats.org/presentationml/2006/main">
   <p:cSld>
     <p:spTree>
@@ -7265,13 +7110,23 @@
           </a:xfrm>
         </p:spPr>
         <p:txBody>
-          <a:bodyPr/>
+          <a:bodyPr>
+            <a:normAutofit lnSpcReduction="10000"/>
+          </a:bodyPr>
           <a:lstStyle/>
           <a:p>
             <a:pPr algn="ctr"/>
             <a:r>
               <a:rPr lang="ko-KR" altLang="en-US" dirty="0"/>
               <a:t>팀원 소개</a:t>
+            </a:r>
+            <a:endParaRPr lang="en-US" altLang="ko-KR" dirty="0"/>
+          </a:p>
+          <a:p>
+            <a:pPr algn="ctr"/>
+            <a:r>
+              <a:rPr lang="ko-KR" altLang="en-US" dirty="0"/>
+              <a:t>중간 발표 이후 진행 상황</a:t>
             </a:r>
             <a:endParaRPr lang="en-US" altLang="ko-KR" dirty="0"/>
           </a:p>
@@ -7949,15 +7804,15 @@
             </a:r>
             <a:r>
               <a:rPr lang="ko-KR" altLang="en-US" dirty="0"/>
-              <a:t>작업은 했지만 정작 들어갈 곳을 </a:t>
+              <a:t>작업 후 </a:t>
             </a:r>
             <a:r>
               <a:rPr lang="ko-KR" altLang="en-US" dirty="0" err="1"/>
-              <a:t>못찾아서</a:t>
+              <a:t>결과창에</a:t>
             </a:r>
             <a:r>
               <a:rPr lang="ko-KR" altLang="en-US" dirty="0"/>
-              <a:t> 더미 데이터가 될 가능성이 농후</a:t>
+              <a:t> 넣을 인물 추가 완료</a:t>
             </a:r>
           </a:p>
         </p:txBody>
